--- a/docs/deployment_guide/images/architecture.pptx
+++ b/docs/deployment_guide/images/architecture.pptx
@@ -2,18 +2,18 @@
 <file path=ppt/presentation.xml><?xml version="1.0" encoding="utf-8"?>
 <p:presentation xmlns:a="http://schemas.openxmlformats.org/drawingml/2006/main" xmlns:r="http://schemas.openxmlformats.org/officeDocument/2006/relationships" xmlns:p="http://schemas.openxmlformats.org/presentationml/2006/main" saveSubsetFonts="1">
   <p:sldMasterIdLst>
-    <p:sldMasterId id="2147483648" r:id="rId1"/>
+    <p:sldMasterId id="2147483660" r:id="rId1"/>
   </p:sldMasterIdLst>
   <p:sldIdLst>
     <p:sldId id="256" r:id="rId2"/>
   </p:sldIdLst>
-  <p:sldSz cx="12192000" cy="6858000"/>
+  <p:sldSz cx="13716000" cy="10972800"/>
   <p:notesSz cx="6858000" cy="9144000"/>
   <p:defaultTextStyle>
     <a:defPPr>
       <a:defRPr lang="en-US"/>
     </a:defPPr>
-    <a:lvl1pPr marL="0" algn="l" defTabSz="914400" rtl="0" eaLnBrk="1" latinLnBrk="0" hangingPunct="1">
+    <a:lvl1pPr marL="0" algn="l" defTabSz="457200" rtl="0" eaLnBrk="1" latinLnBrk="0" hangingPunct="1">
       <a:defRPr sz="1800" kern="1200">
         <a:solidFill>
           <a:schemeClr val="tx1"/>
@@ -23,7 +23,7 @@
         <a:cs typeface="+mn-cs"/>
       </a:defRPr>
     </a:lvl1pPr>
-    <a:lvl2pPr marL="457200" algn="l" defTabSz="914400" rtl="0" eaLnBrk="1" latinLnBrk="0" hangingPunct="1">
+    <a:lvl2pPr marL="457200" algn="l" defTabSz="457200" rtl="0" eaLnBrk="1" latinLnBrk="0" hangingPunct="1">
       <a:defRPr sz="1800" kern="1200">
         <a:solidFill>
           <a:schemeClr val="tx1"/>
@@ -33,7 +33,7 @@
         <a:cs typeface="+mn-cs"/>
       </a:defRPr>
     </a:lvl2pPr>
-    <a:lvl3pPr marL="914400" algn="l" defTabSz="914400" rtl="0" eaLnBrk="1" latinLnBrk="0" hangingPunct="1">
+    <a:lvl3pPr marL="914400" algn="l" defTabSz="457200" rtl="0" eaLnBrk="1" latinLnBrk="0" hangingPunct="1">
       <a:defRPr sz="1800" kern="1200">
         <a:solidFill>
           <a:schemeClr val="tx1"/>
@@ -43,7 +43,7 @@
         <a:cs typeface="+mn-cs"/>
       </a:defRPr>
     </a:lvl3pPr>
-    <a:lvl4pPr marL="1371600" algn="l" defTabSz="914400" rtl="0" eaLnBrk="1" latinLnBrk="0" hangingPunct="1">
+    <a:lvl4pPr marL="1371600" algn="l" defTabSz="457200" rtl="0" eaLnBrk="1" latinLnBrk="0" hangingPunct="1">
       <a:defRPr sz="1800" kern="1200">
         <a:solidFill>
           <a:schemeClr val="tx1"/>
@@ -53,7 +53,7 @@
         <a:cs typeface="+mn-cs"/>
       </a:defRPr>
     </a:lvl4pPr>
-    <a:lvl5pPr marL="1828800" algn="l" defTabSz="914400" rtl="0" eaLnBrk="1" latinLnBrk="0" hangingPunct="1">
+    <a:lvl5pPr marL="1828800" algn="l" defTabSz="457200" rtl="0" eaLnBrk="1" latinLnBrk="0" hangingPunct="1">
       <a:defRPr sz="1800" kern="1200">
         <a:solidFill>
           <a:schemeClr val="tx1"/>
@@ -63,7 +63,7 @@
         <a:cs typeface="+mn-cs"/>
       </a:defRPr>
     </a:lvl5pPr>
-    <a:lvl6pPr marL="2286000" algn="l" defTabSz="914400" rtl="0" eaLnBrk="1" latinLnBrk="0" hangingPunct="1">
+    <a:lvl6pPr marL="2286000" algn="l" defTabSz="457200" rtl="0" eaLnBrk="1" latinLnBrk="0" hangingPunct="1">
       <a:defRPr sz="1800" kern="1200">
         <a:solidFill>
           <a:schemeClr val="tx1"/>
@@ -73,7 +73,7 @@
         <a:cs typeface="+mn-cs"/>
       </a:defRPr>
     </a:lvl6pPr>
-    <a:lvl7pPr marL="2743200" algn="l" defTabSz="914400" rtl="0" eaLnBrk="1" latinLnBrk="0" hangingPunct="1">
+    <a:lvl7pPr marL="2743200" algn="l" defTabSz="457200" rtl="0" eaLnBrk="1" latinLnBrk="0" hangingPunct="1">
       <a:defRPr sz="1800" kern="1200">
         <a:solidFill>
           <a:schemeClr val="tx1"/>
@@ -83,7 +83,7 @@
         <a:cs typeface="+mn-cs"/>
       </a:defRPr>
     </a:lvl7pPr>
-    <a:lvl8pPr marL="3200400" algn="l" defTabSz="914400" rtl="0" eaLnBrk="1" latinLnBrk="0" hangingPunct="1">
+    <a:lvl8pPr marL="3200400" algn="l" defTabSz="457200" rtl="0" eaLnBrk="1" latinLnBrk="0" hangingPunct="1">
       <a:defRPr sz="1800" kern="1200">
         <a:solidFill>
           <a:schemeClr val="tx1"/>
@@ -93,7 +93,7 @@
         <a:cs typeface="+mn-cs"/>
       </a:defRPr>
     </a:lvl8pPr>
-    <a:lvl9pPr marL="3657600" algn="l" defTabSz="914400" rtl="0" eaLnBrk="1" latinLnBrk="0" hangingPunct="1">
+    <a:lvl9pPr marL="3657600" algn="l" defTabSz="457200" rtl="0" eaLnBrk="1" latinLnBrk="0" hangingPunct="1">
       <a:defRPr sz="1800" kern="1200">
         <a:solidFill>
           <a:schemeClr val="tx1"/>
@@ -104,6 +104,11 @@
       </a:defRPr>
     </a:lvl9pPr>
   </p:defaultTextStyle>
+  <p:extLst>
+    <p:ext uri="{EFAFB233-063F-42B5-8137-9DF3F51BA10A}">
+      <p15:sldGuideLst xmlns:p15="http://schemas.microsoft.com/office/powerpoint/2012/main"/>
+    </p:ext>
+  </p:extLst>
 </p:presentation>
 </file>
 
@@ -126,13 +131,7 @@
       </p:grpSpPr>
       <p:sp>
         <p:nvSpPr>
-          <p:cNvPr id="2" name="Title 1">
-            <a:extLst>
-              <a:ext uri="{FF2B5EF4-FFF2-40B4-BE49-F238E27FC236}">
-                <a16:creationId xmlns:a16="http://schemas.microsoft.com/office/drawing/2014/main" id="{FA9FE676-FBCE-4163-BF7C-A21273535182}"/>
-              </a:ext>
-            </a:extLst>
-          </p:cNvPr>
+          <p:cNvPr id="2" name="Title 1"/>
           <p:cNvSpPr>
             <a:spLocks noGrp="1"/>
           </p:cNvSpPr>
@@ -142,15 +141,15 @@
         </p:nvSpPr>
         <p:spPr>
           <a:xfrm>
-            <a:off x="1524000" y="1122363"/>
-            <a:ext cx="9144000" cy="2387600"/>
+            <a:off x="1028700" y="1795781"/>
+            <a:ext cx="11658600" cy="3820160"/>
           </a:xfrm>
         </p:spPr>
         <p:txBody>
           <a:bodyPr anchor="b"/>
           <a:lstStyle>
             <a:lvl1pPr algn="ctr">
-              <a:defRPr sz="6000"/>
+              <a:defRPr sz="9000"/>
             </a:lvl1pPr>
           </a:lstStyle>
           <a:p>
@@ -158,18 +157,13 @@
               <a:rPr lang="en-US"/>
               <a:t>Click to edit Master title style</a:t>
             </a:r>
-          </a:p>
-        </p:txBody>
-      </p:sp>
-      <p:sp>
-        <p:nvSpPr>
-          <p:cNvPr id="3" name="Subtitle 2">
-            <a:extLst>
-              <a:ext uri="{FF2B5EF4-FFF2-40B4-BE49-F238E27FC236}">
-                <a16:creationId xmlns:a16="http://schemas.microsoft.com/office/drawing/2014/main" id="{217CD930-8DB4-493F-AE5A-5FC3A63DACD8}"/>
-              </a:ext>
-            </a:extLst>
-          </p:cNvPr>
+            <a:endParaRPr lang="en-US" dirty="0"/>
+          </a:p>
+        </p:txBody>
+      </p:sp>
+      <p:sp>
+        <p:nvSpPr>
+          <p:cNvPr id="3" name="Subtitle 2"/>
           <p:cNvSpPr>
             <a:spLocks noGrp="1"/>
           </p:cNvSpPr>
@@ -179,8 +173,8 @@
         </p:nvSpPr>
         <p:spPr>
           <a:xfrm>
-            <a:off x="1524000" y="3602038"/>
-            <a:ext cx="9144000" cy="1655762"/>
+            <a:off x="1714500" y="5763261"/>
+            <a:ext cx="10287000" cy="2649219"/>
           </a:xfrm>
         </p:spPr>
         <p:txBody>
@@ -188,39 +182,39 @@
           <a:lstStyle>
             <a:lvl1pPr marL="0" indent="0" algn="ctr">
               <a:buNone/>
+              <a:defRPr sz="3600"/>
+            </a:lvl1pPr>
+            <a:lvl2pPr marL="685800" indent="0" algn="ctr">
+              <a:buNone/>
+              <a:defRPr sz="3000"/>
+            </a:lvl2pPr>
+            <a:lvl3pPr marL="1371600" indent="0" algn="ctr">
+              <a:buNone/>
+              <a:defRPr sz="2700"/>
+            </a:lvl3pPr>
+            <a:lvl4pPr marL="2057400" indent="0" algn="ctr">
+              <a:buNone/>
               <a:defRPr sz="2400"/>
-            </a:lvl1pPr>
-            <a:lvl2pPr marL="457200" indent="0" algn="ctr">
+            </a:lvl4pPr>
+            <a:lvl5pPr marL="2743200" indent="0" algn="ctr">
               <a:buNone/>
-              <a:defRPr sz="2000"/>
-            </a:lvl2pPr>
-            <a:lvl3pPr marL="914400" indent="0" algn="ctr">
+              <a:defRPr sz="2400"/>
+            </a:lvl5pPr>
+            <a:lvl6pPr marL="3429000" indent="0" algn="ctr">
               <a:buNone/>
-              <a:defRPr sz="1800"/>
-            </a:lvl3pPr>
-            <a:lvl4pPr marL="1371600" indent="0" algn="ctr">
+              <a:defRPr sz="2400"/>
+            </a:lvl6pPr>
+            <a:lvl7pPr marL="4114800" indent="0" algn="ctr">
               <a:buNone/>
-              <a:defRPr sz="1600"/>
-            </a:lvl4pPr>
-            <a:lvl5pPr marL="1828800" indent="0" algn="ctr">
+              <a:defRPr sz="2400"/>
+            </a:lvl7pPr>
+            <a:lvl8pPr marL="4800600" indent="0" algn="ctr">
               <a:buNone/>
-              <a:defRPr sz="1600"/>
-            </a:lvl5pPr>
-            <a:lvl6pPr marL="2286000" indent="0" algn="ctr">
+              <a:defRPr sz="2400"/>
+            </a:lvl8pPr>
+            <a:lvl9pPr marL="5486400" indent="0" algn="ctr">
               <a:buNone/>
-              <a:defRPr sz="1600"/>
-            </a:lvl6pPr>
-            <a:lvl7pPr marL="2743200" indent="0" algn="ctr">
-              <a:buNone/>
-              <a:defRPr sz="1600"/>
-            </a:lvl7pPr>
-            <a:lvl8pPr marL="3200400" indent="0" algn="ctr">
-              <a:buNone/>
-              <a:defRPr sz="1600"/>
-            </a:lvl8pPr>
-            <a:lvl9pPr marL="3657600" indent="0" algn="ctr">
-              <a:buNone/>
-              <a:defRPr sz="1600"/>
+              <a:defRPr sz="2400"/>
             </a:lvl9pPr>
           </a:lstStyle>
           <a:p>
@@ -228,18 +222,13 @@
               <a:rPr lang="en-US"/>
               <a:t>Click to edit Master subtitle style</a:t>
             </a:r>
-          </a:p>
-        </p:txBody>
-      </p:sp>
-      <p:sp>
-        <p:nvSpPr>
-          <p:cNvPr id="4" name="Date Placeholder 3">
-            <a:extLst>
-              <a:ext uri="{FF2B5EF4-FFF2-40B4-BE49-F238E27FC236}">
-                <a16:creationId xmlns:a16="http://schemas.microsoft.com/office/drawing/2014/main" id="{2EE22EA2-6625-4932-8A91-2DD4F405E1C5}"/>
-              </a:ext>
-            </a:extLst>
-          </p:cNvPr>
+            <a:endParaRPr lang="en-US" dirty="0"/>
+          </a:p>
+        </p:txBody>
+      </p:sp>
+      <p:sp>
+        <p:nvSpPr>
+          <p:cNvPr id="4" name="Date Placeholder 3"/>
           <p:cNvSpPr>
             <a:spLocks noGrp="1"/>
           </p:cNvSpPr>
@@ -254,7 +243,7 @@
           <a:p>
             <a:fld id="{A1FEBA9D-EA6E-4D2B-8CDF-4B30E5DE822E}" type="datetimeFigureOut">
               <a:rPr lang="en-US" smtClean="0"/>
-              <a:t>3/2/2023</a:t>
+              <a:t>4/6/23</a:t>
             </a:fld>
             <a:endParaRPr lang="en-US"/>
           </a:p>
@@ -262,13 +251,7 @@
       </p:sp>
       <p:sp>
         <p:nvSpPr>
-          <p:cNvPr id="5" name="Footer Placeholder 4">
-            <a:extLst>
-              <a:ext uri="{FF2B5EF4-FFF2-40B4-BE49-F238E27FC236}">
-                <a16:creationId xmlns:a16="http://schemas.microsoft.com/office/drawing/2014/main" id="{E6B29026-063D-4E91-8D46-256458357709}"/>
-              </a:ext>
-            </a:extLst>
-          </p:cNvPr>
+          <p:cNvPr id="5" name="Footer Placeholder 4"/>
           <p:cNvSpPr>
             <a:spLocks noGrp="1"/>
           </p:cNvSpPr>
@@ -287,13 +270,7 @@
       </p:sp>
       <p:sp>
         <p:nvSpPr>
-          <p:cNvPr id="6" name="Slide Number Placeholder 5">
-            <a:extLst>
-              <a:ext uri="{FF2B5EF4-FFF2-40B4-BE49-F238E27FC236}">
-                <a16:creationId xmlns:a16="http://schemas.microsoft.com/office/drawing/2014/main" id="{4A385F1A-4F78-49C2-A613-DC124C14ED46}"/>
-              </a:ext>
-            </a:extLst>
-          </p:cNvPr>
+          <p:cNvPr id="6" name="Slide Number Placeholder 5"/>
           <p:cNvSpPr>
             <a:spLocks noGrp="1"/>
           </p:cNvSpPr>
@@ -317,7 +294,7 @@
     </p:spTree>
     <p:extLst>
       <p:ext uri="{BB962C8B-B14F-4D97-AF65-F5344CB8AC3E}">
-        <p14:creationId xmlns:p14="http://schemas.microsoft.com/office/powerpoint/2010/main" val="2156121222"/>
+        <p14:creationId xmlns:p14="http://schemas.microsoft.com/office/powerpoint/2010/main" val="1044423752"/>
       </p:ext>
     </p:extLst>
   </p:cSld>
@@ -346,13 +323,7 @@
       </p:grpSpPr>
       <p:sp>
         <p:nvSpPr>
-          <p:cNvPr id="2" name="Title 1">
-            <a:extLst>
-              <a:ext uri="{FF2B5EF4-FFF2-40B4-BE49-F238E27FC236}">
-                <a16:creationId xmlns:a16="http://schemas.microsoft.com/office/drawing/2014/main" id="{EDEB15A4-CF62-4CF6-B6AE-73FC1DC7F7A9}"/>
-              </a:ext>
-            </a:extLst>
-          </p:cNvPr>
+          <p:cNvPr id="2" name="Title 1"/>
           <p:cNvSpPr>
             <a:spLocks noGrp="1"/>
           </p:cNvSpPr>
@@ -369,18 +340,13 @@
               <a:rPr lang="en-US"/>
               <a:t>Click to edit Master title style</a:t>
             </a:r>
-          </a:p>
-        </p:txBody>
-      </p:sp>
-      <p:sp>
-        <p:nvSpPr>
-          <p:cNvPr id="3" name="Vertical Text Placeholder 2">
-            <a:extLst>
-              <a:ext uri="{FF2B5EF4-FFF2-40B4-BE49-F238E27FC236}">
-                <a16:creationId xmlns:a16="http://schemas.microsoft.com/office/drawing/2014/main" id="{F59445EE-F288-40E3-BC3A-0B9C520E7BE0}"/>
-              </a:ext>
-            </a:extLst>
-          </p:cNvPr>
+            <a:endParaRPr lang="en-US" dirty="0"/>
+          </a:p>
+        </p:txBody>
+      </p:sp>
+      <p:sp>
+        <p:nvSpPr>
+          <p:cNvPr id="3" name="Vertical Text Placeholder 2"/>
           <p:cNvSpPr>
             <a:spLocks noGrp="1"/>
           </p:cNvSpPr>
@@ -396,7 +362,7 @@
             <a:pPr lvl="0"/>
             <a:r>
               <a:rPr lang="en-US"/>
-              <a:t>Edit Master text styles</a:t>
+              <a:t>Click to edit Master text styles</a:t>
             </a:r>
           </a:p>
           <a:p>
@@ -426,18 +392,13 @@
               <a:rPr lang="en-US"/>
               <a:t>Fifth level</a:t>
             </a:r>
-          </a:p>
-        </p:txBody>
-      </p:sp>
-      <p:sp>
-        <p:nvSpPr>
-          <p:cNvPr id="4" name="Date Placeholder 3">
-            <a:extLst>
-              <a:ext uri="{FF2B5EF4-FFF2-40B4-BE49-F238E27FC236}">
-                <a16:creationId xmlns:a16="http://schemas.microsoft.com/office/drawing/2014/main" id="{16528AB3-AC0B-48E2-8379-886EEB0B4543}"/>
-              </a:ext>
-            </a:extLst>
-          </p:cNvPr>
+            <a:endParaRPr lang="en-US" dirty="0"/>
+          </a:p>
+        </p:txBody>
+      </p:sp>
+      <p:sp>
+        <p:nvSpPr>
+          <p:cNvPr id="4" name="Date Placeholder 3"/>
           <p:cNvSpPr>
             <a:spLocks noGrp="1"/>
           </p:cNvSpPr>
@@ -452,7 +413,7 @@
           <a:p>
             <a:fld id="{A1FEBA9D-EA6E-4D2B-8CDF-4B30E5DE822E}" type="datetimeFigureOut">
               <a:rPr lang="en-US" smtClean="0"/>
-              <a:t>3/2/2023</a:t>
+              <a:t>4/6/23</a:t>
             </a:fld>
             <a:endParaRPr lang="en-US"/>
           </a:p>
@@ -460,13 +421,7 @@
       </p:sp>
       <p:sp>
         <p:nvSpPr>
-          <p:cNvPr id="5" name="Footer Placeholder 4">
-            <a:extLst>
-              <a:ext uri="{FF2B5EF4-FFF2-40B4-BE49-F238E27FC236}">
-                <a16:creationId xmlns:a16="http://schemas.microsoft.com/office/drawing/2014/main" id="{06D3A986-3591-47B7-A421-9EC20C40F30D}"/>
-              </a:ext>
-            </a:extLst>
-          </p:cNvPr>
+          <p:cNvPr id="5" name="Footer Placeholder 4"/>
           <p:cNvSpPr>
             <a:spLocks noGrp="1"/>
           </p:cNvSpPr>
@@ -485,13 +440,7 @@
       </p:sp>
       <p:sp>
         <p:nvSpPr>
-          <p:cNvPr id="6" name="Slide Number Placeholder 5">
-            <a:extLst>
-              <a:ext uri="{FF2B5EF4-FFF2-40B4-BE49-F238E27FC236}">
-                <a16:creationId xmlns:a16="http://schemas.microsoft.com/office/drawing/2014/main" id="{E20B0C7B-2EC0-4D4C-BCBD-5C6147B07DBD}"/>
-              </a:ext>
-            </a:extLst>
-          </p:cNvPr>
+          <p:cNvPr id="6" name="Slide Number Placeholder 5"/>
           <p:cNvSpPr>
             <a:spLocks noGrp="1"/>
           </p:cNvSpPr>
@@ -515,7 +464,7 @@
     </p:spTree>
     <p:extLst>
       <p:ext uri="{BB962C8B-B14F-4D97-AF65-F5344CB8AC3E}">
-        <p14:creationId xmlns:p14="http://schemas.microsoft.com/office/powerpoint/2010/main" val="2720489758"/>
+        <p14:creationId xmlns:p14="http://schemas.microsoft.com/office/powerpoint/2010/main" val="2750261191"/>
       </p:ext>
     </p:extLst>
   </p:cSld>
@@ -544,13 +493,7 @@
       </p:grpSpPr>
       <p:sp>
         <p:nvSpPr>
-          <p:cNvPr id="2" name="Vertical Title 1">
-            <a:extLst>
-              <a:ext uri="{FF2B5EF4-FFF2-40B4-BE49-F238E27FC236}">
-                <a16:creationId xmlns:a16="http://schemas.microsoft.com/office/drawing/2014/main" id="{0C4D5DB5-F253-4580-908A-57731B9E7C78}"/>
-              </a:ext>
-            </a:extLst>
-          </p:cNvPr>
+          <p:cNvPr id="2" name="Vertical Title 1"/>
           <p:cNvSpPr>
             <a:spLocks noGrp="1"/>
           </p:cNvSpPr>
@@ -560,8 +503,8 @@
         </p:nvSpPr>
         <p:spPr>
           <a:xfrm>
-            <a:off x="8724900" y="365125"/>
-            <a:ext cx="2628900" cy="5811838"/>
+            <a:off x="9815513" y="584200"/>
+            <a:ext cx="2957513" cy="9298941"/>
           </a:xfrm>
         </p:spPr>
         <p:txBody>
@@ -572,18 +515,13 @@
               <a:rPr lang="en-US"/>
               <a:t>Click to edit Master title style</a:t>
             </a:r>
-          </a:p>
-        </p:txBody>
-      </p:sp>
-      <p:sp>
-        <p:nvSpPr>
-          <p:cNvPr id="3" name="Vertical Text Placeholder 2">
-            <a:extLst>
-              <a:ext uri="{FF2B5EF4-FFF2-40B4-BE49-F238E27FC236}">
-                <a16:creationId xmlns:a16="http://schemas.microsoft.com/office/drawing/2014/main" id="{19A87D52-62EC-406A-A96C-A7DB204FA423}"/>
-              </a:ext>
-            </a:extLst>
-          </p:cNvPr>
+            <a:endParaRPr lang="en-US" dirty="0"/>
+          </a:p>
+        </p:txBody>
+      </p:sp>
+      <p:sp>
+        <p:nvSpPr>
+          <p:cNvPr id="3" name="Vertical Text Placeholder 2"/>
           <p:cNvSpPr>
             <a:spLocks noGrp="1"/>
           </p:cNvSpPr>
@@ -593,8 +531,8 @@
         </p:nvSpPr>
         <p:spPr>
           <a:xfrm>
-            <a:off x="838200" y="365125"/>
-            <a:ext cx="7734300" cy="5811838"/>
+            <a:off x="942976" y="584200"/>
+            <a:ext cx="8701088" cy="9298941"/>
           </a:xfrm>
         </p:spPr>
         <p:txBody>
@@ -604,7 +542,7 @@
             <a:pPr lvl="0"/>
             <a:r>
               <a:rPr lang="en-US"/>
-              <a:t>Edit Master text styles</a:t>
+              <a:t>Click to edit Master text styles</a:t>
             </a:r>
           </a:p>
           <a:p>
@@ -634,18 +572,13 @@
               <a:rPr lang="en-US"/>
               <a:t>Fifth level</a:t>
             </a:r>
-          </a:p>
-        </p:txBody>
-      </p:sp>
-      <p:sp>
-        <p:nvSpPr>
-          <p:cNvPr id="4" name="Date Placeholder 3">
-            <a:extLst>
-              <a:ext uri="{FF2B5EF4-FFF2-40B4-BE49-F238E27FC236}">
-                <a16:creationId xmlns:a16="http://schemas.microsoft.com/office/drawing/2014/main" id="{09648074-AB9D-4136-9A73-137FBC5DC2E8}"/>
-              </a:ext>
-            </a:extLst>
-          </p:cNvPr>
+            <a:endParaRPr lang="en-US" dirty="0"/>
+          </a:p>
+        </p:txBody>
+      </p:sp>
+      <p:sp>
+        <p:nvSpPr>
+          <p:cNvPr id="4" name="Date Placeholder 3"/>
           <p:cNvSpPr>
             <a:spLocks noGrp="1"/>
           </p:cNvSpPr>
@@ -660,7 +593,7 @@
           <a:p>
             <a:fld id="{A1FEBA9D-EA6E-4D2B-8CDF-4B30E5DE822E}" type="datetimeFigureOut">
               <a:rPr lang="en-US" smtClean="0"/>
-              <a:t>3/2/2023</a:t>
+              <a:t>4/6/23</a:t>
             </a:fld>
             <a:endParaRPr lang="en-US"/>
           </a:p>
@@ -668,13 +601,7 @@
       </p:sp>
       <p:sp>
         <p:nvSpPr>
-          <p:cNvPr id="5" name="Footer Placeholder 4">
-            <a:extLst>
-              <a:ext uri="{FF2B5EF4-FFF2-40B4-BE49-F238E27FC236}">
-                <a16:creationId xmlns:a16="http://schemas.microsoft.com/office/drawing/2014/main" id="{F4FA5036-5B30-4E59-92B3-88B811686013}"/>
-              </a:ext>
-            </a:extLst>
-          </p:cNvPr>
+          <p:cNvPr id="5" name="Footer Placeholder 4"/>
           <p:cNvSpPr>
             <a:spLocks noGrp="1"/>
           </p:cNvSpPr>
@@ -693,13 +620,7 @@
       </p:sp>
       <p:sp>
         <p:nvSpPr>
-          <p:cNvPr id="6" name="Slide Number Placeholder 5">
-            <a:extLst>
-              <a:ext uri="{FF2B5EF4-FFF2-40B4-BE49-F238E27FC236}">
-                <a16:creationId xmlns:a16="http://schemas.microsoft.com/office/drawing/2014/main" id="{7EC1F464-6A0D-4890-8621-24E2BBC81E49}"/>
-              </a:ext>
-            </a:extLst>
-          </p:cNvPr>
+          <p:cNvPr id="6" name="Slide Number Placeholder 5"/>
           <p:cNvSpPr>
             <a:spLocks noGrp="1"/>
           </p:cNvSpPr>
@@ -723,7 +644,7 @@
     </p:spTree>
     <p:extLst>
       <p:ext uri="{BB962C8B-B14F-4D97-AF65-F5344CB8AC3E}">
-        <p14:creationId xmlns:p14="http://schemas.microsoft.com/office/powerpoint/2010/main" val="505590319"/>
+        <p14:creationId xmlns:p14="http://schemas.microsoft.com/office/powerpoint/2010/main" val="2342609562"/>
       </p:ext>
     </p:extLst>
   </p:cSld>
@@ -752,13 +673,7 @@
       </p:grpSpPr>
       <p:sp>
         <p:nvSpPr>
-          <p:cNvPr id="2" name="Title 1">
-            <a:extLst>
-              <a:ext uri="{FF2B5EF4-FFF2-40B4-BE49-F238E27FC236}">
-                <a16:creationId xmlns:a16="http://schemas.microsoft.com/office/drawing/2014/main" id="{64C6AFBB-6F57-46AA-8BA6-D0FEC54EDCCD}"/>
-              </a:ext>
-            </a:extLst>
-          </p:cNvPr>
+          <p:cNvPr id="2" name="Title 1"/>
           <p:cNvSpPr>
             <a:spLocks noGrp="1"/>
           </p:cNvSpPr>
@@ -775,18 +690,13 @@
               <a:rPr lang="en-US"/>
               <a:t>Click to edit Master title style</a:t>
             </a:r>
-          </a:p>
-        </p:txBody>
-      </p:sp>
-      <p:sp>
-        <p:nvSpPr>
-          <p:cNvPr id="3" name="Content Placeholder 2">
-            <a:extLst>
-              <a:ext uri="{FF2B5EF4-FFF2-40B4-BE49-F238E27FC236}">
-                <a16:creationId xmlns:a16="http://schemas.microsoft.com/office/drawing/2014/main" id="{9FA566B1-ECF9-47E5-85BE-D5AA9EC12934}"/>
-              </a:ext>
-            </a:extLst>
-          </p:cNvPr>
+            <a:endParaRPr lang="en-US" dirty="0"/>
+          </a:p>
+        </p:txBody>
+      </p:sp>
+      <p:sp>
+        <p:nvSpPr>
+          <p:cNvPr id="3" name="Content Placeholder 2"/>
           <p:cNvSpPr>
             <a:spLocks noGrp="1"/>
           </p:cNvSpPr>
@@ -802,7 +712,7 @@
             <a:pPr lvl="0"/>
             <a:r>
               <a:rPr lang="en-US"/>
-              <a:t>Edit Master text styles</a:t>
+              <a:t>Click to edit Master text styles</a:t>
             </a:r>
           </a:p>
           <a:p>
@@ -832,18 +742,13 @@
               <a:rPr lang="en-US"/>
               <a:t>Fifth level</a:t>
             </a:r>
-          </a:p>
-        </p:txBody>
-      </p:sp>
-      <p:sp>
-        <p:nvSpPr>
-          <p:cNvPr id="4" name="Date Placeholder 3">
-            <a:extLst>
-              <a:ext uri="{FF2B5EF4-FFF2-40B4-BE49-F238E27FC236}">
-                <a16:creationId xmlns:a16="http://schemas.microsoft.com/office/drawing/2014/main" id="{A4363AF8-8DD8-442C-B087-4F1DC0165E80}"/>
-              </a:ext>
-            </a:extLst>
-          </p:cNvPr>
+            <a:endParaRPr lang="en-US" dirty="0"/>
+          </a:p>
+        </p:txBody>
+      </p:sp>
+      <p:sp>
+        <p:nvSpPr>
+          <p:cNvPr id="4" name="Date Placeholder 3"/>
           <p:cNvSpPr>
             <a:spLocks noGrp="1"/>
           </p:cNvSpPr>
@@ -858,7 +763,7 @@
           <a:p>
             <a:fld id="{A1FEBA9D-EA6E-4D2B-8CDF-4B30E5DE822E}" type="datetimeFigureOut">
               <a:rPr lang="en-US" smtClean="0"/>
-              <a:t>3/2/2023</a:t>
+              <a:t>4/6/23</a:t>
             </a:fld>
             <a:endParaRPr lang="en-US"/>
           </a:p>
@@ -866,13 +771,7 @@
       </p:sp>
       <p:sp>
         <p:nvSpPr>
-          <p:cNvPr id="5" name="Footer Placeholder 4">
-            <a:extLst>
-              <a:ext uri="{FF2B5EF4-FFF2-40B4-BE49-F238E27FC236}">
-                <a16:creationId xmlns:a16="http://schemas.microsoft.com/office/drawing/2014/main" id="{04A01D72-0F5B-4C20-8BAA-D44CD8386B46}"/>
-              </a:ext>
-            </a:extLst>
-          </p:cNvPr>
+          <p:cNvPr id="5" name="Footer Placeholder 4"/>
           <p:cNvSpPr>
             <a:spLocks noGrp="1"/>
           </p:cNvSpPr>
@@ -891,13 +790,7 @@
       </p:sp>
       <p:sp>
         <p:nvSpPr>
-          <p:cNvPr id="6" name="Slide Number Placeholder 5">
-            <a:extLst>
-              <a:ext uri="{FF2B5EF4-FFF2-40B4-BE49-F238E27FC236}">
-                <a16:creationId xmlns:a16="http://schemas.microsoft.com/office/drawing/2014/main" id="{8AC596FB-37CC-4435-B0F9-C7A64E461CB3}"/>
-              </a:ext>
-            </a:extLst>
-          </p:cNvPr>
+          <p:cNvPr id="6" name="Slide Number Placeholder 5"/>
           <p:cNvSpPr>
             <a:spLocks noGrp="1"/>
           </p:cNvSpPr>
@@ -921,7 +814,7 @@
     </p:spTree>
     <p:extLst>
       <p:ext uri="{BB962C8B-B14F-4D97-AF65-F5344CB8AC3E}">
-        <p14:creationId xmlns:p14="http://schemas.microsoft.com/office/powerpoint/2010/main" val="3496263682"/>
+        <p14:creationId xmlns:p14="http://schemas.microsoft.com/office/powerpoint/2010/main" val="2803130171"/>
       </p:ext>
     </p:extLst>
   </p:cSld>
@@ -950,13 +843,7 @@
       </p:grpSpPr>
       <p:sp>
         <p:nvSpPr>
-          <p:cNvPr id="2" name="Title 1">
-            <a:extLst>
-              <a:ext uri="{FF2B5EF4-FFF2-40B4-BE49-F238E27FC236}">
-                <a16:creationId xmlns:a16="http://schemas.microsoft.com/office/drawing/2014/main" id="{032A8AE6-05CC-4BB3-9C47-242E06122012}"/>
-              </a:ext>
-            </a:extLst>
-          </p:cNvPr>
+          <p:cNvPr id="2" name="Title 1"/>
           <p:cNvSpPr>
             <a:spLocks noGrp="1"/>
           </p:cNvSpPr>
@@ -966,15 +853,15 @@
         </p:nvSpPr>
         <p:spPr>
           <a:xfrm>
-            <a:off x="831850" y="1709738"/>
-            <a:ext cx="10515600" cy="2852737"/>
+            <a:off x="935832" y="2735583"/>
+            <a:ext cx="11830050" cy="4564379"/>
           </a:xfrm>
         </p:spPr>
         <p:txBody>
           <a:bodyPr anchor="b"/>
           <a:lstStyle>
             <a:lvl1pPr>
-              <a:defRPr sz="6000"/>
+              <a:defRPr sz="9000"/>
             </a:lvl1pPr>
           </a:lstStyle>
           <a:p>
@@ -982,18 +869,13 @@
               <a:rPr lang="en-US"/>
               <a:t>Click to edit Master title style</a:t>
             </a:r>
-          </a:p>
-        </p:txBody>
-      </p:sp>
-      <p:sp>
-        <p:nvSpPr>
-          <p:cNvPr id="3" name="Text Placeholder 2">
-            <a:extLst>
-              <a:ext uri="{FF2B5EF4-FFF2-40B4-BE49-F238E27FC236}">
-                <a16:creationId xmlns:a16="http://schemas.microsoft.com/office/drawing/2014/main" id="{8442B14A-4C4A-4261-A145-0162E931AF17}"/>
-              </a:ext>
-            </a:extLst>
-          </p:cNvPr>
+            <a:endParaRPr lang="en-US" dirty="0"/>
+          </a:p>
+        </p:txBody>
+      </p:sp>
+      <p:sp>
+        <p:nvSpPr>
+          <p:cNvPr id="3" name="Text Placeholder 2"/>
           <p:cNvSpPr>
             <a:spLocks noGrp="1"/>
           </p:cNvSpPr>
@@ -1003,8 +885,8 @@
         </p:nvSpPr>
         <p:spPr>
           <a:xfrm>
-            <a:off x="831850" y="4589463"/>
-            <a:ext cx="10515600" cy="1500187"/>
+            <a:off x="935832" y="7343143"/>
+            <a:ext cx="11830050" cy="2400299"/>
           </a:xfrm>
         </p:spPr>
         <p:txBody>
@@ -1012,113 +894,105 @@
           <a:lstStyle>
             <a:lvl1pPr marL="0" indent="0">
               <a:buNone/>
-              <a:defRPr sz="2400">
+              <a:defRPr sz="3600">
+                <a:solidFill>
+                  <a:schemeClr val="tx1"/>
+                </a:solidFill>
+              </a:defRPr>
+            </a:lvl1pPr>
+            <a:lvl2pPr marL="685800" indent="0">
+              <a:buNone/>
+              <a:defRPr sz="3000">
                 <a:solidFill>
                   <a:schemeClr val="tx1">
                     <a:tint val="75000"/>
                   </a:schemeClr>
                 </a:solidFill>
               </a:defRPr>
-            </a:lvl1pPr>
-            <a:lvl2pPr marL="457200" indent="0">
+            </a:lvl2pPr>
+            <a:lvl3pPr marL="1371600" indent="0">
               <a:buNone/>
-              <a:defRPr sz="2000">
+              <a:defRPr sz="2700">
                 <a:solidFill>
                   <a:schemeClr val="tx1">
                     <a:tint val="75000"/>
                   </a:schemeClr>
                 </a:solidFill>
               </a:defRPr>
-            </a:lvl2pPr>
-            <a:lvl3pPr marL="914400" indent="0">
+            </a:lvl3pPr>
+            <a:lvl4pPr marL="2057400" indent="0">
               <a:buNone/>
-              <a:defRPr sz="1800">
+              <a:defRPr sz="2400">
                 <a:solidFill>
                   <a:schemeClr val="tx1">
                     <a:tint val="75000"/>
                   </a:schemeClr>
                 </a:solidFill>
               </a:defRPr>
-            </a:lvl3pPr>
-            <a:lvl4pPr marL="1371600" indent="0">
+            </a:lvl4pPr>
+            <a:lvl5pPr marL="2743200" indent="0">
               <a:buNone/>
-              <a:defRPr sz="1600">
+              <a:defRPr sz="2400">
                 <a:solidFill>
                   <a:schemeClr val="tx1">
                     <a:tint val="75000"/>
                   </a:schemeClr>
                 </a:solidFill>
               </a:defRPr>
-            </a:lvl4pPr>
-            <a:lvl5pPr marL="1828800" indent="0">
+            </a:lvl5pPr>
+            <a:lvl6pPr marL="3429000" indent="0">
               <a:buNone/>
-              <a:defRPr sz="1600">
+              <a:defRPr sz="2400">
                 <a:solidFill>
                   <a:schemeClr val="tx1">
                     <a:tint val="75000"/>
                   </a:schemeClr>
                 </a:solidFill>
               </a:defRPr>
-            </a:lvl5pPr>
-            <a:lvl6pPr marL="2286000" indent="0">
+            </a:lvl6pPr>
+            <a:lvl7pPr marL="4114800" indent="0">
               <a:buNone/>
-              <a:defRPr sz="1600">
+              <a:defRPr sz="2400">
                 <a:solidFill>
                   <a:schemeClr val="tx1">
                     <a:tint val="75000"/>
                   </a:schemeClr>
                 </a:solidFill>
               </a:defRPr>
-            </a:lvl6pPr>
-            <a:lvl7pPr marL="2743200" indent="0">
+            </a:lvl7pPr>
+            <a:lvl8pPr marL="4800600" indent="0">
               <a:buNone/>
-              <a:defRPr sz="1600">
+              <a:defRPr sz="2400">
                 <a:solidFill>
                   <a:schemeClr val="tx1">
                     <a:tint val="75000"/>
                   </a:schemeClr>
                 </a:solidFill>
               </a:defRPr>
-            </a:lvl7pPr>
-            <a:lvl8pPr marL="3200400" indent="0">
+            </a:lvl8pPr>
+            <a:lvl9pPr marL="5486400" indent="0">
               <a:buNone/>
-              <a:defRPr sz="1600">
+              <a:defRPr sz="2400">
                 <a:solidFill>
                   <a:schemeClr val="tx1">
                     <a:tint val="75000"/>
                   </a:schemeClr>
                 </a:solidFill>
               </a:defRPr>
-            </a:lvl8pPr>
-            <a:lvl9pPr marL="3657600" indent="0">
-              <a:buNone/>
-              <a:defRPr sz="1600">
-                <a:solidFill>
-                  <a:schemeClr val="tx1">
-                    <a:tint val="75000"/>
-                  </a:schemeClr>
-                </a:solidFill>
-              </a:defRPr>
             </a:lvl9pPr>
           </a:lstStyle>
           <a:p>
             <a:pPr lvl="0"/>
             <a:r>
               <a:rPr lang="en-US"/>
-              <a:t>Edit Master text styles</a:t>
-            </a:r>
-          </a:p>
-        </p:txBody>
-      </p:sp>
-      <p:sp>
-        <p:nvSpPr>
-          <p:cNvPr id="4" name="Date Placeholder 3">
-            <a:extLst>
-              <a:ext uri="{FF2B5EF4-FFF2-40B4-BE49-F238E27FC236}">
-                <a16:creationId xmlns:a16="http://schemas.microsoft.com/office/drawing/2014/main" id="{E80E116B-B27D-48D2-8286-381A2C33035C}"/>
-              </a:ext>
-            </a:extLst>
-          </p:cNvPr>
+              <a:t>Click to edit Master text styles</a:t>
+            </a:r>
+          </a:p>
+        </p:txBody>
+      </p:sp>
+      <p:sp>
+        <p:nvSpPr>
+          <p:cNvPr id="4" name="Date Placeholder 3"/>
           <p:cNvSpPr>
             <a:spLocks noGrp="1"/>
           </p:cNvSpPr>
@@ -1133,7 +1007,7 @@
           <a:p>
             <a:fld id="{A1FEBA9D-EA6E-4D2B-8CDF-4B30E5DE822E}" type="datetimeFigureOut">
               <a:rPr lang="en-US" smtClean="0"/>
-              <a:t>3/2/2023</a:t>
+              <a:t>4/6/23</a:t>
             </a:fld>
             <a:endParaRPr lang="en-US"/>
           </a:p>
@@ -1141,13 +1015,7 @@
       </p:sp>
       <p:sp>
         <p:nvSpPr>
-          <p:cNvPr id="5" name="Footer Placeholder 4">
-            <a:extLst>
-              <a:ext uri="{FF2B5EF4-FFF2-40B4-BE49-F238E27FC236}">
-                <a16:creationId xmlns:a16="http://schemas.microsoft.com/office/drawing/2014/main" id="{445B171C-C52B-4102-80C5-3C347E17060B}"/>
-              </a:ext>
-            </a:extLst>
-          </p:cNvPr>
+          <p:cNvPr id="5" name="Footer Placeholder 4"/>
           <p:cNvSpPr>
             <a:spLocks noGrp="1"/>
           </p:cNvSpPr>
@@ -1166,13 +1034,7 @@
       </p:sp>
       <p:sp>
         <p:nvSpPr>
-          <p:cNvPr id="6" name="Slide Number Placeholder 5">
-            <a:extLst>
-              <a:ext uri="{FF2B5EF4-FFF2-40B4-BE49-F238E27FC236}">
-                <a16:creationId xmlns:a16="http://schemas.microsoft.com/office/drawing/2014/main" id="{B14BB884-C12C-4F82-9A50-AF16C57FA9FB}"/>
-              </a:ext>
-            </a:extLst>
-          </p:cNvPr>
+          <p:cNvPr id="6" name="Slide Number Placeholder 5"/>
           <p:cNvSpPr>
             <a:spLocks noGrp="1"/>
           </p:cNvSpPr>
@@ -1196,7 +1058,7 @@
     </p:spTree>
     <p:extLst>
       <p:ext uri="{BB962C8B-B14F-4D97-AF65-F5344CB8AC3E}">
-        <p14:creationId xmlns:p14="http://schemas.microsoft.com/office/powerpoint/2010/main" val="255163562"/>
+        <p14:creationId xmlns:p14="http://schemas.microsoft.com/office/powerpoint/2010/main" val="2972931234"/>
       </p:ext>
     </p:extLst>
   </p:cSld>
@@ -1225,13 +1087,7 @@
       </p:grpSpPr>
       <p:sp>
         <p:nvSpPr>
-          <p:cNvPr id="2" name="Title 1">
-            <a:extLst>
-              <a:ext uri="{FF2B5EF4-FFF2-40B4-BE49-F238E27FC236}">
-                <a16:creationId xmlns:a16="http://schemas.microsoft.com/office/drawing/2014/main" id="{4967CD6A-C95B-4EF7-AF57-2CCCA62967AF}"/>
-              </a:ext>
-            </a:extLst>
-          </p:cNvPr>
+          <p:cNvPr id="2" name="Title 1"/>
           <p:cNvSpPr>
             <a:spLocks noGrp="1"/>
           </p:cNvSpPr>
@@ -1248,18 +1104,13 @@
               <a:rPr lang="en-US"/>
               <a:t>Click to edit Master title style</a:t>
             </a:r>
-          </a:p>
-        </p:txBody>
-      </p:sp>
-      <p:sp>
-        <p:nvSpPr>
-          <p:cNvPr id="3" name="Content Placeholder 2">
-            <a:extLst>
-              <a:ext uri="{FF2B5EF4-FFF2-40B4-BE49-F238E27FC236}">
-                <a16:creationId xmlns:a16="http://schemas.microsoft.com/office/drawing/2014/main" id="{DB5FA115-F30D-4167-A8BB-8568B6CBF805}"/>
-              </a:ext>
-            </a:extLst>
-          </p:cNvPr>
+            <a:endParaRPr lang="en-US" dirty="0"/>
+          </a:p>
+        </p:txBody>
+      </p:sp>
+      <p:sp>
+        <p:nvSpPr>
+          <p:cNvPr id="3" name="Content Placeholder 2"/>
           <p:cNvSpPr>
             <a:spLocks noGrp="1"/>
           </p:cNvSpPr>
@@ -1269,8 +1120,8 @@
         </p:nvSpPr>
         <p:spPr>
           <a:xfrm>
-            <a:off x="838200" y="1825625"/>
-            <a:ext cx="5181600" cy="4351338"/>
+            <a:off x="942975" y="2921000"/>
+            <a:ext cx="5829300" cy="6962141"/>
           </a:xfrm>
         </p:spPr>
         <p:txBody>
@@ -1280,7 +1131,7 @@
             <a:pPr lvl="0"/>
             <a:r>
               <a:rPr lang="en-US"/>
-              <a:t>Edit Master text styles</a:t>
+              <a:t>Click to edit Master text styles</a:t>
             </a:r>
           </a:p>
           <a:p>
@@ -1310,18 +1161,13 @@
               <a:rPr lang="en-US"/>
               <a:t>Fifth level</a:t>
             </a:r>
-          </a:p>
-        </p:txBody>
-      </p:sp>
-      <p:sp>
-        <p:nvSpPr>
-          <p:cNvPr id="4" name="Content Placeholder 3">
-            <a:extLst>
-              <a:ext uri="{FF2B5EF4-FFF2-40B4-BE49-F238E27FC236}">
-                <a16:creationId xmlns:a16="http://schemas.microsoft.com/office/drawing/2014/main" id="{4158D9C9-EDEE-4970-AF80-43308475D31C}"/>
-              </a:ext>
-            </a:extLst>
-          </p:cNvPr>
+            <a:endParaRPr lang="en-US" dirty="0"/>
+          </a:p>
+        </p:txBody>
+      </p:sp>
+      <p:sp>
+        <p:nvSpPr>
+          <p:cNvPr id="4" name="Content Placeholder 3"/>
           <p:cNvSpPr>
             <a:spLocks noGrp="1"/>
           </p:cNvSpPr>
@@ -1331,8 +1177,8 @@
         </p:nvSpPr>
         <p:spPr>
           <a:xfrm>
-            <a:off x="6172200" y="1825625"/>
-            <a:ext cx="5181600" cy="4351338"/>
+            <a:off x="6943725" y="2921000"/>
+            <a:ext cx="5829300" cy="6962141"/>
           </a:xfrm>
         </p:spPr>
         <p:txBody>
@@ -1342,7 +1188,7 @@
             <a:pPr lvl="0"/>
             <a:r>
               <a:rPr lang="en-US"/>
-              <a:t>Edit Master text styles</a:t>
+              <a:t>Click to edit Master text styles</a:t>
             </a:r>
           </a:p>
           <a:p>
@@ -1372,18 +1218,13 @@
               <a:rPr lang="en-US"/>
               <a:t>Fifth level</a:t>
             </a:r>
-          </a:p>
-        </p:txBody>
-      </p:sp>
-      <p:sp>
-        <p:nvSpPr>
-          <p:cNvPr id="5" name="Date Placeholder 4">
-            <a:extLst>
-              <a:ext uri="{FF2B5EF4-FFF2-40B4-BE49-F238E27FC236}">
-                <a16:creationId xmlns:a16="http://schemas.microsoft.com/office/drawing/2014/main" id="{7FD70901-297A-40EB-BDE4-B9F220CFCDE4}"/>
-              </a:ext>
-            </a:extLst>
-          </p:cNvPr>
+            <a:endParaRPr lang="en-US" dirty="0"/>
+          </a:p>
+        </p:txBody>
+      </p:sp>
+      <p:sp>
+        <p:nvSpPr>
+          <p:cNvPr id="5" name="Date Placeholder 4"/>
           <p:cNvSpPr>
             <a:spLocks noGrp="1"/>
           </p:cNvSpPr>
@@ -1398,7 +1239,7 @@
           <a:p>
             <a:fld id="{A1FEBA9D-EA6E-4D2B-8CDF-4B30E5DE822E}" type="datetimeFigureOut">
               <a:rPr lang="en-US" smtClean="0"/>
-              <a:t>3/2/2023</a:t>
+              <a:t>4/6/23</a:t>
             </a:fld>
             <a:endParaRPr lang="en-US"/>
           </a:p>
@@ -1406,13 +1247,7 @@
       </p:sp>
       <p:sp>
         <p:nvSpPr>
-          <p:cNvPr id="6" name="Footer Placeholder 5">
-            <a:extLst>
-              <a:ext uri="{FF2B5EF4-FFF2-40B4-BE49-F238E27FC236}">
-                <a16:creationId xmlns:a16="http://schemas.microsoft.com/office/drawing/2014/main" id="{798353EE-CF30-4D75-A6E3-B2BDF57555CC}"/>
-              </a:ext>
-            </a:extLst>
-          </p:cNvPr>
+          <p:cNvPr id="6" name="Footer Placeholder 5"/>
           <p:cNvSpPr>
             <a:spLocks noGrp="1"/>
           </p:cNvSpPr>
@@ -1431,13 +1266,7 @@
       </p:sp>
       <p:sp>
         <p:nvSpPr>
-          <p:cNvPr id="7" name="Slide Number Placeholder 6">
-            <a:extLst>
-              <a:ext uri="{FF2B5EF4-FFF2-40B4-BE49-F238E27FC236}">
-                <a16:creationId xmlns:a16="http://schemas.microsoft.com/office/drawing/2014/main" id="{E2C61FC8-EF70-4458-9F43-DD8E0CF49ABF}"/>
-              </a:ext>
-            </a:extLst>
-          </p:cNvPr>
+          <p:cNvPr id="7" name="Slide Number Placeholder 6"/>
           <p:cNvSpPr>
             <a:spLocks noGrp="1"/>
           </p:cNvSpPr>
@@ -1461,7 +1290,7 @@
     </p:spTree>
     <p:extLst>
       <p:ext uri="{BB962C8B-B14F-4D97-AF65-F5344CB8AC3E}">
-        <p14:creationId xmlns:p14="http://schemas.microsoft.com/office/powerpoint/2010/main" val="852081712"/>
+        <p14:creationId xmlns:p14="http://schemas.microsoft.com/office/powerpoint/2010/main" val="3303578704"/>
       </p:ext>
     </p:extLst>
   </p:cSld>
@@ -1490,13 +1319,7 @@
       </p:grpSpPr>
       <p:sp>
         <p:nvSpPr>
-          <p:cNvPr id="2" name="Title 1">
-            <a:extLst>
-              <a:ext uri="{FF2B5EF4-FFF2-40B4-BE49-F238E27FC236}">
-                <a16:creationId xmlns:a16="http://schemas.microsoft.com/office/drawing/2014/main" id="{DEB5BF6A-A408-497B-A10B-D557639EAD7A}"/>
-              </a:ext>
-            </a:extLst>
-          </p:cNvPr>
+          <p:cNvPr id="2" name="Title 1"/>
           <p:cNvSpPr>
             <a:spLocks noGrp="1"/>
           </p:cNvSpPr>
@@ -1506,8 +1329,8 @@
         </p:nvSpPr>
         <p:spPr>
           <a:xfrm>
-            <a:off x="839788" y="365125"/>
-            <a:ext cx="10515600" cy="1325563"/>
+            <a:off x="944762" y="584202"/>
+            <a:ext cx="11830050" cy="2120901"/>
           </a:xfrm>
         </p:spPr>
         <p:txBody>
@@ -1518,18 +1341,13 @@
               <a:rPr lang="en-US"/>
               <a:t>Click to edit Master title style</a:t>
             </a:r>
-          </a:p>
-        </p:txBody>
-      </p:sp>
-      <p:sp>
-        <p:nvSpPr>
-          <p:cNvPr id="3" name="Text Placeholder 2">
-            <a:extLst>
-              <a:ext uri="{FF2B5EF4-FFF2-40B4-BE49-F238E27FC236}">
-                <a16:creationId xmlns:a16="http://schemas.microsoft.com/office/drawing/2014/main" id="{AB41D512-DA79-4C59-B786-4E15FA4668C8}"/>
-              </a:ext>
-            </a:extLst>
-          </p:cNvPr>
+            <a:endParaRPr lang="en-US" dirty="0"/>
+          </a:p>
+        </p:txBody>
+      </p:sp>
+      <p:sp>
+        <p:nvSpPr>
+          <p:cNvPr id="3" name="Text Placeholder 2"/>
           <p:cNvSpPr>
             <a:spLocks noGrp="1"/>
           </p:cNvSpPr>
@@ -1539,8 +1357,8 @@
         </p:nvSpPr>
         <p:spPr>
           <a:xfrm>
-            <a:off x="839788" y="1681163"/>
-            <a:ext cx="5157787" cy="823912"/>
+            <a:off x="944763" y="2689861"/>
+            <a:ext cx="5802510" cy="1318259"/>
           </a:xfrm>
         </p:spPr>
         <p:txBody>
@@ -1548,59 +1366,53 @@
           <a:lstStyle>
             <a:lvl1pPr marL="0" indent="0">
               <a:buNone/>
+              <a:defRPr sz="3600" b="1"/>
+            </a:lvl1pPr>
+            <a:lvl2pPr marL="685800" indent="0">
+              <a:buNone/>
+              <a:defRPr sz="3000" b="1"/>
+            </a:lvl2pPr>
+            <a:lvl3pPr marL="1371600" indent="0">
+              <a:buNone/>
+              <a:defRPr sz="2700" b="1"/>
+            </a:lvl3pPr>
+            <a:lvl4pPr marL="2057400" indent="0">
+              <a:buNone/>
               <a:defRPr sz="2400" b="1"/>
-            </a:lvl1pPr>
-            <a:lvl2pPr marL="457200" indent="0">
+            </a:lvl4pPr>
+            <a:lvl5pPr marL="2743200" indent="0">
               <a:buNone/>
-              <a:defRPr sz="2000" b="1"/>
-            </a:lvl2pPr>
-            <a:lvl3pPr marL="914400" indent="0">
+              <a:defRPr sz="2400" b="1"/>
+            </a:lvl5pPr>
+            <a:lvl6pPr marL="3429000" indent="0">
               <a:buNone/>
-              <a:defRPr sz="1800" b="1"/>
-            </a:lvl3pPr>
-            <a:lvl4pPr marL="1371600" indent="0">
+              <a:defRPr sz="2400" b="1"/>
+            </a:lvl6pPr>
+            <a:lvl7pPr marL="4114800" indent="0">
               <a:buNone/>
-              <a:defRPr sz="1600" b="1"/>
-            </a:lvl4pPr>
-            <a:lvl5pPr marL="1828800" indent="0">
+              <a:defRPr sz="2400" b="1"/>
+            </a:lvl7pPr>
+            <a:lvl8pPr marL="4800600" indent="0">
               <a:buNone/>
-              <a:defRPr sz="1600" b="1"/>
-            </a:lvl5pPr>
-            <a:lvl6pPr marL="2286000" indent="0">
+              <a:defRPr sz="2400" b="1"/>
+            </a:lvl8pPr>
+            <a:lvl9pPr marL="5486400" indent="0">
               <a:buNone/>
-              <a:defRPr sz="1600" b="1"/>
-            </a:lvl6pPr>
-            <a:lvl7pPr marL="2743200" indent="0">
-              <a:buNone/>
-              <a:defRPr sz="1600" b="1"/>
-            </a:lvl7pPr>
-            <a:lvl8pPr marL="3200400" indent="0">
-              <a:buNone/>
-              <a:defRPr sz="1600" b="1"/>
-            </a:lvl8pPr>
-            <a:lvl9pPr marL="3657600" indent="0">
-              <a:buNone/>
-              <a:defRPr sz="1600" b="1"/>
+              <a:defRPr sz="2400" b="1"/>
             </a:lvl9pPr>
           </a:lstStyle>
           <a:p>
             <a:pPr lvl="0"/>
             <a:r>
               <a:rPr lang="en-US"/>
-              <a:t>Edit Master text styles</a:t>
-            </a:r>
-          </a:p>
-        </p:txBody>
-      </p:sp>
-      <p:sp>
-        <p:nvSpPr>
-          <p:cNvPr id="4" name="Content Placeholder 3">
-            <a:extLst>
-              <a:ext uri="{FF2B5EF4-FFF2-40B4-BE49-F238E27FC236}">
-                <a16:creationId xmlns:a16="http://schemas.microsoft.com/office/drawing/2014/main" id="{652517F3-E72F-4355-8895-B0038117AD25}"/>
-              </a:ext>
-            </a:extLst>
-          </p:cNvPr>
+              <a:t>Click to edit Master text styles</a:t>
+            </a:r>
+          </a:p>
+        </p:txBody>
+      </p:sp>
+      <p:sp>
+        <p:nvSpPr>
+          <p:cNvPr id="4" name="Content Placeholder 3"/>
           <p:cNvSpPr>
             <a:spLocks noGrp="1"/>
           </p:cNvSpPr>
@@ -1610,8 +1422,8 @@
         </p:nvSpPr>
         <p:spPr>
           <a:xfrm>
-            <a:off x="839788" y="2505075"/>
-            <a:ext cx="5157787" cy="3684588"/>
+            <a:off x="944763" y="4008120"/>
+            <a:ext cx="5802510" cy="5895341"/>
           </a:xfrm>
         </p:spPr>
         <p:txBody>
@@ -1621,7 +1433,7 @@
             <a:pPr lvl="0"/>
             <a:r>
               <a:rPr lang="en-US"/>
-              <a:t>Edit Master text styles</a:t>
+              <a:t>Click to edit Master text styles</a:t>
             </a:r>
           </a:p>
           <a:p>
@@ -1651,18 +1463,13 @@
               <a:rPr lang="en-US"/>
               <a:t>Fifth level</a:t>
             </a:r>
-          </a:p>
-        </p:txBody>
-      </p:sp>
-      <p:sp>
-        <p:nvSpPr>
-          <p:cNvPr id="5" name="Text Placeholder 4">
-            <a:extLst>
-              <a:ext uri="{FF2B5EF4-FFF2-40B4-BE49-F238E27FC236}">
-                <a16:creationId xmlns:a16="http://schemas.microsoft.com/office/drawing/2014/main" id="{3540CDC3-2366-4D45-A422-1543E93FC981}"/>
-              </a:ext>
-            </a:extLst>
-          </p:cNvPr>
+            <a:endParaRPr lang="en-US" dirty="0"/>
+          </a:p>
+        </p:txBody>
+      </p:sp>
+      <p:sp>
+        <p:nvSpPr>
+          <p:cNvPr id="5" name="Text Placeholder 4"/>
           <p:cNvSpPr>
             <a:spLocks noGrp="1"/>
           </p:cNvSpPr>
@@ -1672,8 +1479,8 @@
         </p:nvSpPr>
         <p:spPr>
           <a:xfrm>
-            <a:off x="6172200" y="1681163"/>
-            <a:ext cx="5183188" cy="823912"/>
+            <a:off x="6943726" y="2689861"/>
+            <a:ext cx="5831087" cy="1318259"/>
           </a:xfrm>
         </p:spPr>
         <p:txBody>
@@ -1681,59 +1488,53 @@
           <a:lstStyle>
             <a:lvl1pPr marL="0" indent="0">
               <a:buNone/>
+              <a:defRPr sz="3600" b="1"/>
+            </a:lvl1pPr>
+            <a:lvl2pPr marL="685800" indent="0">
+              <a:buNone/>
+              <a:defRPr sz="3000" b="1"/>
+            </a:lvl2pPr>
+            <a:lvl3pPr marL="1371600" indent="0">
+              <a:buNone/>
+              <a:defRPr sz="2700" b="1"/>
+            </a:lvl3pPr>
+            <a:lvl4pPr marL="2057400" indent="0">
+              <a:buNone/>
               <a:defRPr sz="2400" b="1"/>
-            </a:lvl1pPr>
-            <a:lvl2pPr marL="457200" indent="0">
+            </a:lvl4pPr>
+            <a:lvl5pPr marL="2743200" indent="0">
               <a:buNone/>
-              <a:defRPr sz="2000" b="1"/>
-            </a:lvl2pPr>
-            <a:lvl3pPr marL="914400" indent="0">
+              <a:defRPr sz="2400" b="1"/>
+            </a:lvl5pPr>
+            <a:lvl6pPr marL="3429000" indent="0">
               <a:buNone/>
-              <a:defRPr sz="1800" b="1"/>
-            </a:lvl3pPr>
-            <a:lvl4pPr marL="1371600" indent="0">
+              <a:defRPr sz="2400" b="1"/>
+            </a:lvl6pPr>
+            <a:lvl7pPr marL="4114800" indent="0">
               <a:buNone/>
-              <a:defRPr sz="1600" b="1"/>
-            </a:lvl4pPr>
-            <a:lvl5pPr marL="1828800" indent="0">
+              <a:defRPr sz="2400" b="1"/>
+            </a:lvl7pPr>
+            <a:lvl8pPr marL="4800600" indent="0">
               <a:buNone/>
-              <a:defRPr sz="1600" b="1"/>
-            </a:lvl5pPr>
-            <a:lvl6pPr marL="2286000" indent="0">
+              <a:defRPr sz="2400" b="1"/>
+            </a:lvl8pPr>
+            <a:lvl9pPr marL="5486400" indent="0">
               <a:buNone/>
-              <a:defRPr sz="1600" b="1"/>
-            </a:lvl6pPr>
-            <a:lvl7pPr marL="2743200" indent="0">
-              <a:buNone/>
-              <a:defRPr sz="1600" b="1"/>
-            </a:lvl7pPr>
-            <a:lvl8pPr marL="3200400" indent="0">
-              <a:buNone/>
-              <a:defRPr sz="1600" b="1"/>
-            </a:lvl8pPr>
-            <a:lvl9pPr marL="3657600" indent="0">
-              <a:buNone/>
-              <a:defRPr sz="1600" b="1"/>
+              <a:defRPr sz="2400" b="1"/>
             </a:lvl9pPr>
           </a:lstStyle>
           <a:p>
             <a:pPr lvl="0"/>
             <a:r>
               <a:rPr lang="en-US"/>
-              <a:t>Edit Master text styles</a:t>
-            </a:r>
-          </a:p>
-        </p:txBody>
-      </p:sp>
-      <p:sp>
-        <p:nvSpPr>
-          <p:cNvPr id="6" name="Content Placeholder 5">
-            <a:extLst>
-              <a:ext uri="{FF2B5EF4-FFF2-40B4-BE49-F238E27FC236}">
-                <a16:creationId xmlns:a16="http://schemas.microsoft.com/office/drawing/2014/main" id="{7744EF0A-9794-433B-93AD-731B30D604AA}"/>
-              </a:ext>
-            </a:extLst>
-          </p:cNvPr>
+              <a:t>Click to edit Master text styles</a:t>
+            </a:r>
+          </a:p>
+        </p:txBody>
+      </p:sp>
+      <p:sp>
+        <p:nvSpPr>
+          <p:cNvPr id="6" name="Content Placeholder 5"/>
           <p:cNvSpPr>
             <a:spLocks noGrp="1"/>
           </p:cNvSpPr>
@@ -1743,8 +1544,8 @@
         </p:nvSpPr>
         <p:spPr>
           <a:xfrm>
-            <a:off x="6172200" y="2505075"/>
-            <a:ext cx="5183188" cy="3684588"/>
+            <a:off x="6943726" y="4008120"/>
+            <a:ext cx="5831087" cy="5895341"/>
           </a:xfrm>
         </p:spPr>
         <p:txBody>
@@ -1754,7 +1555,7 @@
             <a:pPr lvl="0"/>
             <a:r>
               <a:rPr lang="en-US"/>
-              <a:t>Edit Master text styles</a:t>
+              <a:t>Click to edit Master text styles</a:t>
             </a:r>
           </a:p>
           <a:p>
@@ -1784,18 +1585,13 @@
               <a:rPr lang="en-US"/>
               <a:t>Fifth level</a:t>
             </a:r>
-          </a:p>
-        </p:txBody>
-      </p:sp>
-      <p:sp>
-        <p:nvSpPr>
-          <p:cNvPr id="7" name="Date Placeholder 6">
-            <a:extLst>
-              <a:ext uri="{FF2B5EF4-FFF2-40B4-BE49-F238E27FC236}">
-                <a16:creationId xmlns:a16="http://schemas.microsoft.com/office/drawing/2014/main" id="{1B7AFC6C-A995-425C-9FF8-CD0D34F1C214}"/>
-              </a:ext>
-            </a:extLst>
-          </p:cNvPr>
+            <a:endParaRPr lang="en-US" dirty="0"/>
+          </a:p>
+        </p:txBody>
+      </p:sp>
+      <p:sp>
+        <p:nvSpPr>
+          <p:cNvPr id="7" name="Date Placeholder 6"/>
           <p:cNvSpPr>
             <a:spLocks noGrp="1"/>
           </p:cNvSpPr>
@@ -1810,7 +1606,7 @@
           <a:p>
             <a:fld id="{A1FEBA9D-EA6E-4D2B-8CDF-4B30E5DE822E}" type="datetimeFigureOut">
               <a:rPr lang="en-US" smtClean="0"/>
-              <a:t>3/2/2023</a:t>
+              <a:t>4/6/23</a:t>
             </a:fld>
             <a:endParaRPr lang="en-US"/>
           </a:p>
@@ -1818,13 +1614,7 @@
       </p:sp>
       <p:sp>
         <p:nvSpPr>
-          <p:cNvPr id="8" name="Footer Placeholder 7">
-            <a:extLst>
-              <a:ext uri="{FF2B5EF4-FFF2-40B4-BE49-F238E27FC236}">
-                <a16:creationId xmlns:a16="http://schemas.microsoft.com/office/drawing/2014/main" id="{55F416C1-86CF-49DD-AE71-2A9A0F4253B9}"/>
-              </a:ext>
-            </a:extLst>
-          </p:cNvPr>
+          <p:cNvPr id="8" name="Footer Placeholder 7"/>
           <p:cNvSpPr>
             <a:spLocks noGrp="1"/>
           </p:cNvSpPr>
@@ -1843,13 +1633,7 @@
       </p:sp>
       <p:sp>
         <p:nvSpPr>
-          <p:cNvPr id="9" name="Slide Number Placeholder 8">
-            <a:extLst>
-              <a:ext uri="{FF2B5EF4-FFF2-40B4-BE49-F238E27FC236}">
-                <a16:creationId xmlns:a16="http://schemas.microsoft.com/office/drawing/2014/main" id="{EB64BEA2-6551-4F45-A421-6DF106840E22}"/>
-              </a:ext>
-            </a:extLst>
-          </p:cNvPr>
+          <p:cNvPr id="9" name="Slide Number Placeholder 8"/>
           <p:cNvSpPr>
             <a:spLocks noGrp="1"/>
           </p:cNvSpPr>
@@ -1873,7 +1657,7 @@
     </p:spTree>
     <p:extLst>
       <p:ext uri="{BB962C8B-B14F-4D97-AF65-F5344CB8AC3E}">
-        <p14:creationId xmlns:p14="http://schemas.microsoft.com/office/powerpoint/2010/main" val="1609835042"/>
+        <p14:creationId xmlns:p14="http://schemas.microsoft.com/office/powerpoint/2010/main" val="2387203836"/>
       </p:ext>
     </p:extLst>
   </p:cSld>
@@ -1902,13 +1686,7 @@
       </p:grpSpPr>
       <p:sp>
         <p:nvSpPr>
-          <p:cNvPr id="2" name="Title 1">
-            <a:extLst>
-              <a:ext uri="{FF2B5EF4-FFF2-40B4-BE49-F238E27FC236}">
-                <a16:creationId xmlns:a16="http://schemas.microsoft.com/office/drawing/2014/main" id="{54EF19AB-75E9-463B-84C8-4692B51B7526}"/>
-              </a:ext>
-            </a:extLst>
-          </p:cNvPr>
+          <p:cNvPr id="2" name="Title 1"/>
           <p:cNvSpPr>
             <a:spLocks noGrp="1"/>
           </p:cNvSpPr>
@@ -1925,18 +1703,13 @@
               <a:rPr lang="en-US"/>
               <a:t>Click to edit Master title style</a:t>
             </a:r>
-          </a:p>
-        </p:txBody>
-      </p:sp>
-      <p:sp>
-        <p:nvSpPr>
-          <p:cNvPr id="3" name="Date Placeholder 2">
-            <a:extLst>
-              <a:ext uri="{FF2B5EF4-FFF2-40B4-BE49-F238E27FC236}">
-                <a16:creationId xmlns:a16="http://schemas.microsoft.com/office/drawing/2014/main" id="{53ED9E21-BC22-4EFB-892D-7691651B7891}"/>
-              </a:ext>
-            </a:extLst>
-          </p:cNvPr>
+            <a:endParaRPr lang="en-US" dirty="0"/>
+          </a:p>
+        </p:txBody>
+      </p:sp>
+      <p:sp>
+        <p:nvSpPr>
+          <p:cNvPr id="3" name="Date Placeholder 2"/>
           <p:cNvSpPr>
             <a:spLocks noGrp="1"/>
           </p:cNvSpPr>
@@ -1951,7 +1724,7 @@
           <a:p>
             <a:fld id="{A1FEBA9D-EA6E-4D2B-8CDF-4B30E5DE822E}" type="datetimeFigureOut">
               <a:rPr lang="en-US" smtClean="0"/>
-              <a:t>3/2/2023</a:t>
+              <a:t>4/6/23</a:t>
             </a:fld>
             <a:endParaRPr lang="en-US"/>
           </a:p>
@@ -1959,13 +1732,7 @@
       </p:sp>
       <p:sp>
         <p:nvSpPr>
-          <p:cNvPr id="4" name="Footer Placeholder 3">
-            <a:extLst>
-              <a:ext uri="{FF2B5EF4-FFF2-40B4-BE49-F238E27FC236}">
-                <a16:creationId xmlns:a16="http://schemas.microsoft.com/office/drawing/2014/main" id="{A4604C8A-DA3D-45BE-B096-8ED42FB36344}"/>
-              </a:ext>
-            </a:extLst>
-          </p:cNvPr>
+          <p:cNvPr id="4" name="Footer Placeholder 3"/>
           <p:cNvSpPr>
             <a:spLocks noGrp="1"/>
           </p:cNvSpPr>
@@ -1984,13 +1751,7 @@
       </p:sp>
       <p:sp>
         <p:nvSpPr>
-          <p:cNvPr id="5" name="Slide Number Placeholder 4">
-            <a:extLst>
-              <a:ext uri="{FF2B5EF4-FFF2-40B4-BE49-F238E27FC236}">
-                <a16:creationId xmlns:a16="http://schemas.microsoft.com/office/drawing/2014/main" id="{1E7C9248-B529-4C94-A3BE-30EBEF36012C}"/>
-              </a:ext>
-            </a:extLst>
-          </p:cNvPr>
+          <p:cNvPr id="5" name="Slide Number Placeholder 4"/>
           <p:cNvSpPr>
             <a:spLocks noGrp="1"/>
           </p:cNvSpPr>
@@ -2014,7 +1775,7 @@
     </p:spTree>
     <p:extLst>
       <p:ext uri="{BB962C8B-B14F-4D97-AF65-F5344CB8AC3E}">
-        <p14:creationId xmlns:p14="http://schemas.microsoft.com/office/powerpoint/2010/main" val="608370150"/>
+        <p14:creationId xmlns:p14="http://schemas.microsoft.com/office/powerpoint/2010/main" val="1149657835"/>
       </p:ext>
     </p:extLst>
   </p:cSld>
@@ -2043,13 +1804,7 @@
       </p:grpSpPr>
       <p:sp>
         <p:nvSpPr>
-          <p:cNvPr id="2" name="Date Placeholder 1">
-            <a:extLst>
-              <a:ext uri="{FF2B5EF4-FFF2-40B4-BE49-F238E27FC236}">
-                <a16:creationId xmlns:a16="http://schemas.microsoft.com/office/drawing/2014/main" id="{2E82E261-6001-47A7-BB76-B29F7DF26E4A}"/>
-              </a:ext>
-            </a:extLst>
-          </p:cNvPr>
+          <p:cNvPr id="2" name="Date Placeholder 1"/>
           <p:cNvSpPr>
             <a:spLocks noGrp="1"/>
           </p:cNvSpPr>
@@ -2064,7 +1819,7 @@
           <a:p>
             <a:fld id="{A1FEBA9D-EA6E-4D2B-8CDF-4B30E5DE822E}" type="datetimeFigureOut">
               <a:rPr lang="en-US" smtClean="0"/>
-              <a:t>3/2/2023</a:t>
+              <a:t>4/6/23</a:t>
             </a:fld>
             <a:endParaRPr lang="en-US"/>
           </a:p>
@@ -2072,13 +1827,7 @@
       </p:sp>
       <p:sp>
         <p:nvSpPr>
-          <p:cNvPr id="3" name="Footer Placeholder 2">
-            <a:extLst>
-              <a:ext uri="{FF2B5EF4-FFF2-40B4-BE49-F238E27FC236}">
-                <a16:creationId xmlns:a16="http://schemas.microsoft.com/office/drawing/2014/main" id="{A6B49C99-1C1A-422A-BC98-809725A3B928}"/>
-              </a:ext>
-            </a:extLst>
-          </p:cNvPr>
+          <p:cNvPr id="3" name="Footer Placeholder 2"/>
           <p:cNvSpPr>
             <a:spLocks noGrp="1"/>
           </p:cNvSpPr>
@@ -2097,13 +1846,7 @@
       </p:sp>
       <p:sp>
         <p:nvSpPr>
-          <p:cNvPr id="4" name="Slide Number Placeholder 3">
-            <a:extLst>
-              <a:ext uri="{FF2B5EF4-FFF2-40B4-BE49-F238E27FC236}">
-                <a16:creationId xmlns:a16="http://schemas.microsoft.com/office/drawing/2014/main" id="{134E88A5-5413-40E1-9A7B-3D41DE2F3881}"/>
-              </a:ext>
-            </a:extLst>
-          </p:cNvPr>
+          <p:cNvPr id="4" name="Slide Number Placeholder 3"/>
           <p:cNvSpPr>
             <a:spLocks noGrp="1"/>
           </p:cNvSpPr>
@@ -2127,7 +1870,7 @@
     </p:spTree>
     <p:extLst>
       <p:ext uri="{BB962C8B-B14F-4D97-AF65-F5344CB8AC3E}">
-        <p14:creationId xmlns:p14="http://schemas.microsoft.com/office/powerpoint/2010/main" val="2809582088"/>
+        <p14:creationId xmlns:p14="http://schemas.microsoft.com/office/powerpoint/2010/main" val="430408247"/>
       </p:ext>
     </p:extLst>
   </p:cSld>
@@ -2156,13 +1899,7 @@
       </p:grpSpPr>
       <p:sp>
         <p:nvSpPr>
-          <p:cNvPr id="2" name="Title 1">
-            <a:extLst>
-              <a:ext uri="{FF2B5EF4-FFF2-40B4-BE49-F238E27FC236}">
-                <a16:creationId xmlns:a16="http://schemas.microsoft.com/office/drawing/2014/main" id="{A8B70057-6B7C-4AFE-B8A8-A03A8EAC1E5E}"/>
-              </a:ext>
-            </a:extLst>
-          </p:cNvPr>
+          <p:cNvPr id="2" name="Title 1"/>
           <p:cNvSpPr>
             <a:spLocks noGrp="1"/>
           </p:cNvSpPr>
@@ -2172,15 +1909,15 @@
         </p:nvSpPr>
         <p:spPr>
           <a:xfrm>
-            <a:off x="839788" y="457200"/>
-            <a:ext cx="3932237" cy="1600200"/>
+            <a:off x="944762" y="731520"/>
+            <a:ext cx="4423767" cy="2560320"/>
           </a:xfrm>
         </p:spPr>
         <p:txBody>
           <a:bodyPr anchor="b"/>
           <a:lstStyle>
             <a:lvl1pPr>
-              <a:defRPr sz="3200"/>
+              <a:defRPr sz="4800"/>
             </a:lvl1pPr>
           </a:lstStyle>
           <a:p>
@@ -2188,18 +1925,13 @@
               <a:rPr lang="en-US"/>
               <a:t>Click to edit Master title style</a:t>
             </a:r>
-          </a:p>
-        </p:txBody>
-      </p:sp>
-      <p:sp>
-        <p:nvSpPr>
-          <p:cNvPr id="3" name="Content Placeholder 2">
-            <a:extLst>
-              <a:ext uri="{FF2B5EF4-FFF2-40B4-BE49-F238E27FC236}">
-                <a16:creationId xmlns:a16="http://schemas.microsoft.com/office/drawing/2014/main" id="{00DBE372-C5D2-48D6-B6CC-AB29B2642171}"/>
-              </a:ext>
-            </a:extLst>
-          </p:cNvPr>
+            <a:endParaRPr lang="en-US" dirty="0"/>
+          </a:p>
+        </p:txBody>
+      </p:sp>
+      <p:sp>
+        <p:nvSpPr>
+          <p:cNvPr id="3" name="Content Placeholder 2"/>
           <p:cNvSpPr>
             <a:spLocks noGrp="1"/>
           </p:cNvSpPr>
@@ -2209,46 +1941,46 @@
         </p:nvSpPr>
         <p:spPr>
           <a:xfrm>
-            <a:off x="5183188" y="987425"/>
-            <a:ext cx="6172200" cy="4873625"/>
+            <a:off x="5831087" y="1579882"/>
+            <a:ext cx="6943725" cy="7797800"/>
           </a:xfrm>
         </p:spPr>
         <p:txBody>
           <a:bodyPr/>
           <a:lstStyle>
             <a:lvl1pPr>
-              <a:defRPr sz="3200"/>
+              <a:defRPr sz="4800"/>
             </a:lvl1pPr>
             <a:lvl2pPr>
-              <a:defRPr sz="2800"/>
+              <a:defRPr sz="4200"/>
             </a:lvl2pPr>
             <a:lvl3pPr>
-              <a:defRPr sz="2400"/>
+              <a:defRPr sz="3600"/>
             </a:lvl3pPr>
             <a:lvl4pPr>
-              <a:defRPr sz="2000"/>
+              <a:defRPr sz="3000"/>
             </a:lvl4pPr>
             <a:lvl5pPr>
-              <a:defRPr sz="2000"/>
+              <a:defRPr sz="3000"/>
             </a:lvl5pPr>
             <a:lvl6pPr>
-              <a:defRPr sz="2000"/>
+              <a:defRPr sz="3000"/>
             </a:lvl6pPr>
             <a:lvl7pPr>
-              <a:defRPr sz="2000"/>
+              <a:defRPr sz="3000"/>
             </a:lvl7pPr>
             <a:lvl8pPr>
-              <a:defRPr sz="2000"/>
+              <a:defRPr sz="3000"/>
             </a:lvl8pPr>
             <a:lvl9pPr>
-              <a:defRPr sz="2000"/>
+              <a:defRPr sz="3000"/>
             </a:lvl9pPr>
           </a:lstStyle>
           <a:p>
             <a:pPr lvl="0"/>
             <a:r>
               <a:rPr lang="en-US"/>
-              <a:t>Edit Master text styles</a:t>
+              <a:t>Click to edit Master text styles</a:t>
             </a:r>
           </a:p>
           <a:p>
@@ -2278,18 +2010,13 @@
               <a:rPr lang="en-US"/>
               <a:t>Fifth level</a:t>
             </a:r>
-          </a:p>
-        </p:txBody>
-      </p:sp>
-      <p:sp>
-        <p:nvSpPr>
-          <p:cNvPr id="4" name="Text Placeholder 3">
-            <a:extLst>
-              <a:ext uri="{FF2B5EF4-FFF2-40B4-BE49-F238E27FC236}">
-                <a16:creationId xmlns:a16="http://schemas.microsoft.com/office/drawing/2014/main" id="{ECE94A0A-C91C-4C6B-80F9-493E60A04704}"/>
-              </a:ext>
-            </a:extLst>
-          </p:cNvPr>
+            <a:endParaRPr lang="en-US" dirty="0"/>
+          </a:p>
+        </p:txBody>
+      </p:sp>
+      <p:sp>
+        <p:nvSpPr>
+          <p:cNvPr id="4" name="Text Placeholder 3"/>
           <p:cNvSpPr>
             <a:spLocks noGrp="1"/>
           </p:cNvSpPr>
@@ -2299,8 +2026,8 @@
         </p:nvSpPr>
         <p:spPr>
           <a:xfrm>
-            <a:off x="839788" y="2057400"/>
-            <a:ext cx="3932237" cy="3811588"/>
+            <a:off x="944762" y="3291840"/>
+            <a:ext cx="4423767" cy="6098541"/>
           </a:xfrm>
         </p:spPr>
         <p:txBody>
@@ -2308,59 +2035,53 @@
           <a:lstStyle>
             <a:lvl1pPr marL="0" indent="0">
               <a:buNone/>
-              <a:defRPr sz="1600"/>
+              <a:defRPr sz="2400"/>
             </a:lvl1pPr>
-            <a:lvl2pPr marL="457200" indent="0">
+            <a:lvl2pPr marL="685800" indent="0">
               <a:buNone/>
-              <a:defRPr sz="1400"/>
+              <a:defRPr sz="2100"/>
             </a:lvl2pPr>
-            <a:lvl3pPr marL="914400" indent="0">
+            <a:lvl3pPr marL="1371600" indent="0">
               <a:buNone/>
-              <a:defRPr sz="1200"/>
+              <a:defRPr sz="1800"/>
             </a:lvl3pPr>
-            <a:lvl4pPr marL="1371600" indent="0">
+            <a:lvl4pPr marL="2057400" indent="0">
               <a:buNone/>
-              <a:defRPr sz="1000"/>
+              <a:defRPr sz="1500"/>
             </a:lvl4pPr>
-            <a:lvl5pPr marL="1828800" indent="0">
+            <a:lvl5pPr marL="2743200" indent="0">
               <a:buNone/>
-              <a:defRPr sz="1000"/>
+              <a:defRPr sz="1500"/>
             </a:lvl5pPr>
-            <a:lvl6pPr marL="2286000" indent="0">
+            <a:lvl6pPr marL="3429000" indent="0">
               <a:buNone/>
-              <a:defRPr sz="1000"/>
+              <a:defRPr sz="1500"/>
             </a:lvl6pPr>
-            <a:lvl7pPr marL="2743200" indent="0">
+            <a:lvl7pPr marL="4114800" indent="0">
               <a:buNone/>
-              <a:defRPr sz="1000"/>
+              <a:defRPr sz="1500"/>
             </a:lvl7pPr>
-            <a:lvl8pPr marL="3200400" indent="0">
+            <a:lvl8pPr marL="4800600" indent="0">
               <a:buNone/>
-              <a:defRPr sz="1000"/>
+              <a:defRPr sz="1500"/>
             </a:lvl8pPr>
-            <a:lvl9pPr marL="3657600" indent="0">
+            <a:lvl9pPr marL="5486400" indent="0">
               <a:buNone/>
-              <a:defRPr sz="1000"/>
+              <a:defRPr sz="1500"/>
             </a:lvl9pPr>
           </a:lstStyle>
           <a:p>
             <a:pPr lvl="0"/>
             <a:r>
               <a:rPr lang="en-US"/>
-              <a:t>Edit Master text styles</a:t>
-            </a:r>
-          </a:p>
-        </p:txBody>
-      </p:sp>
-      <p:sp>
-        <p:nvSpPr>
-          <p:cNvPr id="5" name="Date Placeholder 4">
-            <a:extLst>
-              <a:ext uri="{FF2B5EF4-FFF2-40B4-BE49-F238E27FC236}">
-                <a16:creationId xmlns:a16="http://schemas.microsoft.com/office/drawing/2014/main" id="{84A24790-B299-432B-99B3-C1B73E314AC4}"/>
-              </a:ext>
-            </a:extLst>
-          </p:cNvPr>
+              <a:t>Click to edit Master text styles</a:t>
+            </a:r>
+          </a:p>
+        </p:txBody>
+      </p:sp>
+      <p:sp>
+        <p:nvSpPr>
+          <p:cNvPr id="5" name="Date Placeholder 4"/>
           <p:cNvSpPr>
             <a:spLocks noGrp="1"/>
           </p:cNvSpPr>
@@ -2375,7 +2096,7 @@
           <a:p>
             <a:fld id="{A1FEBA9D-EA6E-4D2B-8CDF-4B30E5DE822E}" type="datetimeFigureOut">
               <a:rPr lang="en-US" smtClean="0"/>
-              <a:t>3/2/2023</a:t>
+              <a:t>4/6/23</a:t>
             </a:fld>
             <a:endParaRPr lang="en-US"/>
           </a:p>
@@ -2383,13 +2104,7 @@
       </p:sp>
       <p:sp>
         <p:nvSpPr>
-          <p:cNvPr id="6" name="Footer Placeholder 5">
-            <a:extLst>
-              <a:ext uri="{FF2B5EF4-FFF2-40B4-BE49-F238E27FC236}">
-                <a16:creationId xmlns:a16="http://schemas.microsoft.com/office/drawing/2014/main" id="{6C8B5804-5468-45E6-83B7-B705B4C74F9E}"/>
-              </a:ext>
-            </a:extLst>
-          </p:cNvPr>
+          <p:cNvPr id="6" name="Footer Placeholder 5"/>
           <p:cNvSpPr>
             <a:spLocks noGrp="1"/>
           </p:cNvSpPr>
@@ -2408,13 +2123,7 @@
       </p:sp>
       <p:sp>
         <p:nvSpPr>
-          <p:cNvPr id="7" name="Slide Number Placeholder 6">
-            <a:extLst>
-              <a:ext uri="{FF2B5EF4-FFF2-40B4-BE49-F238E27FC236}">
-                <a16:creationId xmlns:a16="http://schemas.microsoft.com/office/drawing/2014/main" id="{CC921F8C-0867-4199-A5C0-71709BB285A6}"/>
-              </a:ext>
-            </a:extLst>
-          </p:cNvPr>
+          <p:cNvPr id="7" name="Slide Number Placeholder 6"/>
           <p:cNvSpPr>
             <a:spLocks noGrp="1"/>
           </p:cNvSpPr>
@@ -2438,7 +2147,7 @@
     </p:spTree>
     <p:extLst>
       <p:ext uri="{BB962C8B-B14F-4D97-AF65-F5344CB8AC3E}">
-        <p14:creationId xmlns:p14="http://schemas.microsoft.com/office/powerpoint/2010/main" val="48036111"/>
+        <p14:creationId xmlns:p14="http://schemas.microsoft.com/office/powerpoint/2010/main" val="4080236565"/>
       </p:ext>
     </p:extLst>
   </p:cSld>
@@ -2467,13 +2176,7 @@
       </p:grpSpPr>
       <p:sp>
         <p:nvSpPr>
-          <p:cNvPr id="2" name="Title 1">
-            <a:extLst>
-              <a:ext uri="{FF2B5EF4-FFF2-40B4-BE49-F238E27FC236}">
-                <a16:creationId xmlns:a16="http://schemas.microsoft.com/office/drawing/2014/main" id="{D5729AE6-7D0B-4150-B0B6-2D91CCCD7E93}"/>
-              </a:ext>
-            </a:extLst>
-          </p:cNvPr>
+          <p:cNvPr id="2" name="Title 1"/>
           <p:cNvSpPr>
             <a:spLocks noGrp="1"/>
           </p:cNvSpPr>
@@ -2483,15 +2186,15 @@
         </p:nvSpPr>
         <p:spPr>
           <a:xfrm>
-            <a:off x="839788" y="457200"/>
-            <a:ext cx="3932237" cy="1600200"/>
+            <a:off x="944762" y="731520"/>
+            <a:ext cx="4423767" cy="2560320"/>
           </a:xfrm>
         </p:spPr>
         <p:txBody>
           <a:bodyPr anchor="b"/>
           <a:lstStyle>
             <a:lvl1pPr>
-              <a:defRPr sz="3200"/>
+              <a:defRPr sz="4800"/>
             </a:lvl1pPr>
           </a:lstStyle>
           <a:p>
@@ -2499,20 +2202,15 @@
               <a:rPr lang="en-US"/>
               <a:t>Click to edit Master title style</a:t>
             </a:r>
-          </a:p>
-        </p:txBody>
-      </p:sp>
-      <p:sp>
-        <p:nvSpPr>
-          <p:cNvPr id="3" name="Picture Placeholder 2">
-            <a:extLst>
-              <a:ext uri="{FF2B5EF4-FFF2-40B4-BE49-F238E27FC236}">
-                <a16:creationId xmlns:a16="http://schemas.microsoft.com/office/drawing/2014/main" id="{085C3FB4-9971-4691-B440-BBB3FA7D23C7}"/>
-              </a:ext>
-            </a:extLst>
-          </p:cNvPr>
+            <a:endParaRPr lang="en-US" dirty="0"/>
+          </a:p>
+        </p:txBody>
+      </p:sp>
+      <p:sp>
+        <p:nvSpPr>
+          <p:cNvPr id="3" name="Picture Placeholder 2"/>
           <p:cNvSpPr>
-            <a:spLocks noGrp="1"/>
+            <a:spLocks noGrp="1" noChangeAspect="1"/>
           </p:cNvSpPr>
           <p:nvPr>
             <p:ph type="pic" idx="1"/>
@@ -2520,8 +2218,73 @@
         </p:nvSpPr>
         <p:spPr>
           <a:xfrm>
-            <a:off x="5183188" y="987425"/>
-            <a:ext cx="6172200" cy="4873625"/>
+            <a:off x="5831087" y="1579882"/>
+            <a:ext cx="6943725" cy="7797800"/>
+          </a:xfrm>
+        </p:spPr>
+        <p:txBody>
+          <a:bodyPr anchor="t"/>
+          <a:lstStyle>
+            <a:lvl1pPr marL="0" indent="0">
+              <a:buNone/>
+              <a:defRPr sz="4800"/>
+            </a:lvl1pPr>
+            <a:lvl2pPr marL="685800" indent="0">
+              <a:buNone/>
+              <a:defRPr sz="4200"/>
+            </a:lvl2pPr>
+            <a:lvl3pPr marL="1371600" indent="0">
+              <a:buNone/>
+              <a:defRPr sz="3600"/>
+            </a:lvl3pPr>
+            <a:lvl4pPr marL="2057400" indent="0">
+              <a:buNone/>
+              <a:defRPr sz="3000"/>
+            </a:lvl4pPr>
+            <a:lvl5pPr marL="2743200" indent="0">
+              <a:buNone/>
+              <a:defRPr sz="3000"/>
+            </a:lvl5pPr>
+            <a:lvl6pPr marL="3429000" indent="0">
+              <a:buNone/>
+              <a:defRPr sz="3000"/>
+            </a:lvl6pPr>
+            <a:lvl7pPr marL="4114800" indent="0">
+              <a:buNone/>
+              <a:defRPr sz="3000"/>
+            </a:lvl7pPr>
+            <a:lvl8pPr marL="4800600" indent="0">
+              <a:buNone/>
+              <a:defRPr sz="3000"/>
+            </a:lvl8pPr>
+            <a:lvl9pPr marL="5486400" indent="0">
+              <a:buNone/>
+              <a:defRPr sz="3000"/>
+            </a:lvl9pPr>
+          </a:lstStyle>
+          <a:p>
+            <a:r>
+              <a:rPr lang="en-US"/>
+              <a:t>Click icon to add picture</a:t>
+            </a:r>
+            <a:endParaRPr lang="en-US" dirty="0"/>
+          </a:p>
+        </p:txBody>
+      </p:sp>
+      <p:sp>
+        <p:nvSpPr>
+          <p:cNvPr id="4" name="Text Placeholder 3"/>
+          <p:cNvSpPr>
+            <a:spLocks noGrp="1"/>
+          </p:cNvSpPr>
+          <p:nvPr>
+            <p:ph type="body" sz="half" idx="2"/>
+          </p:nvPr>
+        </p:nvSpPr>
+        <p:spPr>
+          <a:xfrm>
+            <a:off x="944762" y="3291840"/>
+            <a:ext cx="4423767" cy="6098541"/>
           </a:xfrm>
         </p:spPr>
         <p:txBody>
@@ -2529,126 +2292,53 @@
           <a:lstStyle>
             <a:lvl1pPr marL="0" indent="0">
               <a:buNone/>
-              <a:defRPr sz="3200"/>
+              <a:defRPr sz="2400"/>
             </a:lvl1pPr>
-            <a:lvl2pPr marL="457200" indent="0">
+            <a:lvl2pPr marL="685800" indent="0">
               <a:buNone/>
-              <a:defRPr sz="2800"/>
+              <a:defRPr sz="2100"/>
             </a:lvl2pPr>
-            <a:lvl3pPr marL="914400" indent="0">
+            <a:lvl3pPr marL="1371600" indent="0">
               <a:buNone/>
-              <a:defRPr sz="2400"/>
+              <a:defRPr sz="1800"/>
             </a:lvl3pPr>
-            <a:lvl4pPr marL="1371600" indent="0">
+            <a:lvl4pPr marL="2057400" indent="0">
               <a:buNone/>
-              <a:defRPr sz="2000"/>
+              <a:defRPr sz="1500"/>
             </a:lvl4pPr>
-            <a:lvl5pPr marL="1828800" indent="0">
+            <a:lvl5pPr marL="2743200" indent="0">
               <a:buNone/>
-              <a:defRPr sz="2000"/>
+              <a:defRPr sz="1500"/>
             </a:lvl5pPr>
-            <a:lvl6pPr marL="2286000" indent="0">
+            <a:lvl6pPr marL="3429000" indent="0">
               <a:buNone/>
-              <a:defRPr sz="2000"/>
+              <a:defRPr sz="1500"/>
             </a:lvl6pPr>
-            <a:lvl7pPr marL="2743200" indent="0">
+            <a:lvl7pPr marL="4114800" indent="0">
               <a:buNone/>
-              <a:defRPr sz="2000"/>
+              <a:defRPr sz="1500"/>
             </a:lvl7pPr>
-            <a:lvl8pPr marL="3200400" indent="0">
+            <a:lvl8pPr marL="4800600" indent="0">
               <a:buNone/>
-              <a:defRPr sz="2000"/>
+              <a:defRPr sz="1500"/>
             </a:lvl8pPr>
-            <a:lvl9pPr marL="3657600" indent="0">
+            <a:lvl9pPr marL="5486400" indent="0">
               <a:buNone/>
-              <a:defRPr sz="2000"/>
+              <a:defRPr sz="1500"/>
             </a:lvl9pPr>
           </a:lstStyle>
           <a:p>
-            <a:endParaRPr lang="en-US"/>
-          </a:p>
-        </p:txBody>
-      </p:sp>
-      <p:sp>
-        <p:nvSpPr>
-          <p:cNvPr id="4" name="Text Placeholder 3">
-            <a:extLst>
-              <a:ext uri="{FF2B5EF4-FFF2-40B4-BE49-F238E27FC236}">
-                <a16:creationId xmlns:a16="http://schemas.microsoft.com/office/drawing/2014/main" id="{502D94EF-D27F-4D21-9CB1-8AA6E94D69A9}"/>
-              </a:ext>
-            </a:extLst>
-          </p:cNvPr>
-          <p:cNvSpPr>
-            <a:spLocks noGrp="1"/>
-          </p:cNvSpPr>
-          <p:nvPr>
-            <p:ph type="body" sz="half" idx="2"/>
-          </p:nvPr>
-        </p:nvSpPr>
-        <p:spPr>
-          <a:xfrm>
-            <a:off x="839788" y="2057400"/>
-            <a:ext cx="3932237" cy="3811588"/>
-          </a:xfrm>
-        </p:spPr>
-        <p:txBody>
-          <a:bodyPr/>
-          <a:lstStyle>
-            <a:lvl1pPr marL="0" indent="0">
-              <a:buNone/>
-              <a:defRPr sz="1600"/>
-            </a:lvl1pPr>
-            <a:lvl2pPr marL="457200" indent="0">
-              <a:buNone/>
-              <a:defRPr sz="1400"/>
-            </a:lvl2pPr>
-            <a:lvl3pPr marL="914400" indent="0">
-              <a:buNone/>
-              <a:defRPr sz="1200"/>
-            </a:lvl3pPr>
-            <a:lvl4pPr marL="1371600" indent="0">
-              <a:buNone/>
-              <a:defRPr sz="1000"/>
-            </a:lvl4pPr>
-            <a:lvl5pPr marL="1828800" indent="0">
-              <a:buNone/>
-              <a:defRPr sz="1000"/>
-            </a:lvl5pPr>
-            <a:lvl6pPr marL="2286000" indent="0">
-              <a:buNone/>
-              <a:defRPr sz="1000"/>
-            </a:lvl6pPr>
-            <a:lvl7pPr marL="2743200" indent="0">
-              <a:buNone/>
-              <a:defRPr sz="1000"/>
-            </a:lvl7pPr>
-            <a:lvl8pPr marL="3200400" indent="0">
-              <a:buNone/>
-              <a:defRPr sz="1000"/>
-            </a:lvl8pPr>
-            <a:lvl9pPr marL="3657600" indent="0">
-              <a:buNone/>
-              <a:defRPr sz="1000"/>
-            </a:lvl9pPr>
-          </a:lstStyle>
-          <a:p>
             <a:pPr lvl="0"/>
             <a:r>
               <a:rPr lang="en-US"/>
-              <a:t>Edit Master text styles</a:t>
-            </a:r>
-          </a:p>
-        </p:txBody>
-      </p:sp>
-      <p:sp>
-        <p:nvSpPr>
-          <p:cNvPr id="5" name="Date Placeholder 4">
-            <a:extLst>
-              <a:ext uri="{FF2B5EF4-FFF2-40B4-BE49-F238E27FC236}">
-                <a16:creationId xmlns:a16="http://schemas.microsoft.com/office/drawing/2014/main" id="{2579FDDA-363F-4AEA-8B51-B33B1176D88A}"/>
-              </a:ext>
-            </a:extLst>
-          </p:cNvPr>
+              <a:t>Click to edit Master text styles</a:t>
+            </a:r>
+          </a:p>
+        </p:txBody>
+      </p:sp>
+      <p:sp>
+        <p:nvSpPr>
+          <p:cNvPr id="5" name="Date Placeholder 4"/>
           <p:cNvSpPr>
             <a:spLocks noGrp="1"/>
           </p:cNvSpPr>
@@ -2663,7 +2353,7 @@
           <a:p>
             <a:fld id="{A1FEBA9D-EA6E-4D2B-8CDF-4B30E5DE822E}" type="datetimeFigureOut">
               <a:rPr lang="en-US" smtClean="0"/>
-              <a:t>3/2/2023</a:t>
+              <a:t>4/6/23</a:t>
             </a:fld>
             <a:endParaRPr lang="en-US"/>
           </a:p>
@@ -2671,13 +2361,7 @@
       </p:sp>
       <p:sp>
         <p:nvSpPr>
-          <p:cNvPr id="6" name="Footer Placeholder 5">
-            <a:extLst>
-              <a:ext uri="{FF2B5EF4-FFF2-40B4-BE49-F238E27FC236}">
-                <a16:creationId xmlns:a16="http://schemas.microsoft.com/office/drawing/2014/main" id="{FBCFF413-FD1D-4538-8CCB-E1CDFD0DC35E}"/>
-              </a:ext>
-            </a:extLst>
-          </p:cNvPr>
+          <p:cNvPr id="6" name="Footer Placeholder 5"/>
           <p:cNvSpPr>
             <a:spLocks noGrp="1"/>
           </p:cNvSpPr>
@@ -2696,13 +2380,7 @@
       </p:sp>
       <p:sp>
         <p:nvSpPr>
-          <p:cNvPr id="7" name="Slide Number Placeholder 6">
-            <a:extLst>
-              <a:ext uri="{FF2B5EF4-FFF2-40B4-BE49-F238E27FC236}">
-                <a16:creationId xmlns:a16="http://schemas.microsoft.com/office/drawing/2014/main" id="{DCE43EE8-CA7F-408D-BDA6-94F55E3EA7BF}"/>
-              </a:ext>
-            </a:extLst>
-          </p:cNvPr>
+          <p:cNvPr id="7" name="Slide Number Placeholder 6"/>
           <p:cNvSpPr>
             <a:spLocks noGrp="1"/>
           </p:cNvSpPr>
@@ -2726,7 +2404,7 @@
     </p:spTree>
     <p:extLst>
       <p:ext uri="{BB962C8B-B14F-4D97-AF65-F5344CB8AC3E}">
-        <p14:creationId xmlns:p14="http://schemas.microsoft.com/office/powerpoint/2010/main" val="4023045061"/>
+        <p14:creationId xmlns:p14="http://schemas.microsoft.com/office/powerpoint/2010/main" val="1008981518"/>
       </p:ext>
     </p:extLst>
   </p:cSld>
@@ -2760,13 +2438,7 @@
       </p:grpSpPr>
       <p:sp>
         <p:nvSpPr>
-          <p:cNvPr id="2" name="Title Placeholder 1">
-            <a:extLst>
-              <a:ext uri="{FF2B5EF4-FFF2-40B4-BE49-F238E27FC236}">
-                <a16:creationId xmlns:a16="http://schemas.microsoft.com/office/drawing/2014/main" id="{E6609580-3746-4CA6-859C-0338A32D203C}"/>
-              </a:ext>
-            </a:extLst>
-          </p:cNvPr>
+          <p:cNvPr id="2" name="Title Placeholder 1"/>
           <p:cNvSpPr>
             <a:spLocks noGrp="1"/>
           </p:cNvSpPr>
@@ -2776,8 +2448,8 @@
         </p:nvSpPr>
         <p:spPr>
           <a:xfrm>
-            <a:off x="838200" y="365125"/>
-            <a:ext cx="10515600" cy="1325563"/>
+            <a:off x="942975" y="584202"/>
+            <a:ext cx="11830050" cy="2120901"/>
           </a:xfrm>
           <a:prstGeom prst="rect">
             <a:avLst/>
@@ -2793,18 +2465,13 @@
               <a:rPr lang="en-US"/>
               <a:t>Click to edit Master title style</a:t>
             </a:r>
-          </a:p>
-        </p:txBody>
-      </p:sp>
-      <p:sp>
-        <p:nvSpPr>
-          <p:cNvPr id="3" name="Text Placeholder 2">
-            <a:extLst>
-              <a:ext uri="{FF2B5EF4-FFF2-40B4-BE49-F238E27FC236}">
-                <a16:creationId xmlns:a16="http://schemas.microsoft.com/office/drawing/2014/main" id="{8C3DD526-5630-4C4D-B3B5-EE5D464051B0}"/>
-              </a:ext>
-            </a:extLst>
-          </p:cNvPr>
+            <a:endParaRPr lang="en-US" dirty="0"/>
+          </a:p>
+        </p:txBody>
+      </p:sp>
+      <p:sp>
+        <p:nvSpPr>
+          <p:cNvPr id="3" name="Text Placeholder 2"/>
           <p:cNvSpPr>
             <a:spLocks noGrp="1"/>
           </p:cNvSpPr>
@@ -2814,8 +2481,8 @@
         </p:nvSpPr>
         <p:spPr>
           <a:xfrm>
-            <a:off x="838200" y="1825625"/>
-            <a:ext cx="10515600" cy="4351338"/>
+            <a:off x="942975" y="2921000"/>
+            <a:ext cx="11830050" cy="6962141"/>
           </a:xfrm>
           <a:prstGeom prst="rect">
             <a:avLst/>
@@ -2830,7 +2497,7 @@
             <a:pPr lvl="0"/>
             <a:r>
               <a:rPr lang="en-US"/>
-              <a:t>Edit Master text styles</a:t>
+              <a:t>Click to edit Master text styles</a:t>
             </a:r>
           </a:p>
           <a:p>
@@ -2860,18 +2527,13 @@
               <a:rPr lang="en-US"/>
               <a:t>Fifth level</a:t>
             </a:r>
-          </a:p>
-        </p:txBody>
-      </p:sp>
-      <p:sp>
-        <p:nvSpPr>
-          <p:cNvPr id="4" name="Date Placeholder 3">
-            <a:extLst>
-              <a:ext uri="{FF2B5EF4-FFF2-40B4-BE49-F238E27FC236}">
-                <a16:creationId xmlns:a16="http://schemas.microsoft.com/office/drawing/2014/main" id="{AFD40826-9773-4373-BBE2-1780792A97A5}"/>
-              </a:ext>
-            </a:extLst>
-          </p:cNvPr>
+            <a:endParaRPr lang="en-US" dirty="0"/>
+          </a:p>
+        </p:txBody>
+      </p:sp>
+      <p:sp>
+        <p:nvSpPr>
+          <p:cNvPr id="4" name="Date Placeholder 3"/>
           <p:cNvSpPr>
             <a:spLocks noGrp="1"/>
           </p:cNvSpPr>
@@ -2881,8 +2543,8 @@
         </p:nvSpPr>
         <p:spPr>
           <a:xfrm>
-            <a:off x="838200" y="6356350"/>
-            <a:ext cx="2743200" cy="365125"/>
+            <a:off x="942975" y="10170162"/>
+            <a:ext cx="3086100" cy="584200"/>
           </a:xfrm>
           <a:prstGeom prst="rect">
             <a:avLst/>
@@ -2892,7 +2554,7 @@
           <a:bodyPr vert="horz" lIns="91440" tIns="45720" rIns="91440" bIns="45720" rtlCol="0" anchor="ctr"/>
           <a:lstStyle>
             <a:lvl1pPr algn="l">
-              <a:defRPr sz="1200">
+              <a:defRPr sz="1800">
                 <a:solidFill>
                   <a:schemeClr val="tx1">
                     <a:tint val="75000"/>
@@ -2904,7 +2566,7 @@
           <a:p>
             <a:fld id="{A1FEBA9D-EA6E-4D2B-8CDF-4B30E5DE822E}" type="datetimeFigureOut">
               <a:rPr lang="en-US" smtClean="0"/>
-              <a:t>3/2/2023</a:t>
+              <a:t>4/6/23</a:t>
             </a:fld>
             <a:endParaRPr lang="en-US"/>
           </a:p>
@@ -2912,13 +2574,7 @@
       </p:sp>
       <p:sp>
         <p:nvSpPr>
-          <p:cNvPr id="5" name="Footer Placeholder 4">
-            <a:extLst>
-              <a:ext uri="{FF2B5EF4-FFF2-40B4-BE49-F238E27FC236}">
-                <a16:creationId xmlns:a16="http://schemas.microsoft.com/office/drawing/2014/main" id="{954B24F5-63EE-4F18-8649-2095CA9EA882}"/>
-              </a:ext>
-            </a:extLst>
-          </p:cNvPr>
+          <p:cNvPr id="5" name="Footer Placeholder 4"/>
           <p:cNvSpPr>
             <a:spLocks noGrp="1"/>
           </p:cNvSpPr>
@@ -2928,8 +2584,8 @@
         </p:nvSpPr>
         <p:spPr>
           <a:xfrm>
-            <a:off x="4038600" y="6356350"/>
-            <a:ext cx="4114800" cy="365125"/>
+            <a:off x="4543425" y="10170162"/>
+            <a:ext cx="4629150" cy="584200"/>
           </a:xfrm>
           <a:prstGeom prst="rect">
             <a:avLst/>
@@ -2939,7 +2595,7 @@
           <a:bodyPr vert="horz" lIns="91440" tIns="45720" rIns="91440" bIns="45720" rtlCol="0" anchor="ctr"/>
           <a:lstStyle>
             <a:lvl1pPr algn="ctr">
-              <a:defRPr sz="1200">
+              <a:defRPr sz="1800">
                 <a:solidFill>
                   <a:schemeClr val="tx1">
                     <a:tint val="75000"/>
@@ -2955,13 +2611,7 @@
       </p:sp>
       <p:sp>
         <p:nvSpPr>
-          <p:cNvPr id="6" name="Slide Number Placeholder 5">
-            <a:extLst>
-              <a:ext uri="{FF2B5EF4-FFF2-40B4-BE49-F238E27FC236}">
-                <a16:creationId xmlns:a16="http://schemas.microsoft.com/office/drawing/2014/main" id="{667FAA06-4BDA-4470-9948-314DAADE1F6E}"/>
-              </a:ext>
-            </a:extLst>
-          </p:cNvPr>
+          <p:cNvPr id="6" name="Slide Number Placeholder 5"/>
           <p:cNvSpPr>
             <a:spLocks noGrp="1"/>
           </p:cNvSpPr>
@@ -2971,8 +2621,8 @@
         </p:nvSpPr>
         <p:spPr>
           <a:xfrm>
-            <a:off x="8610600" y="6356350"/>
-            <a:ext cx="2743200" cy="365125"/>
+            <a:off x="9686925" y="10170162"/>
+            <a:ext cx="3086100" cy="584200"/>
           </a:xfrm>
           <a:prstGeom prst="rect">
             <a:avLst/>
@@ -2982,7 +2632,7 @@
           <a:bodyPr vert="horz" lIns="91440" tIns="45720" rIns="91440" bIns="45720" rtlCol="0" anchor="ctr"/>
           <a:lstStyle>
             <a:lvl1pPr algn="r">
-              <a:defRPr sz="1200">
+              <a:defRPr sz="1800">
                 <a:solidFill>
                   <a:schemeClr val="tx1">
                     <a:tint val="75000"/>
@@ -3003,27 +2653,27 @@
     </p:spTree>
     <p:extLst>
       <p:ext uri="{BB962C8B-B14F-4D97-AF65-F5344CB8AC3E}">
-        <p14:creationId xmlns:p14="http://schemas.microsoft.com/office/powerpoint/2010/main" val="1097021596"/>
+        <p14:creationId xmlns:p14="http://schemas.microsoft.com/office/powerpoint/2010/main" val="3314530470"/>
       </p:ext>
     </p:extLst>
   </p:cSld>
   <p:clrMap bg1="lt1" tx1="dk1" bg2="lt2" tx2="dk2" accent1="accent1" accent2="accent2" accent3="accent3" accent4="accent4" accent5="accent5" accent6="accent6" hlink="hlink" folHlink="folHlink"/>
   <p:sldLayoutIdLst>
-    <p:sldLayoutId id="2147483649" r:id="rId1"/>
-    <p:sldLayoutId id="2147483650" r:id="rId2"/>
-    <p:sldLayoutId id="2147483651" r:id="rId3"/>
-    <p:sldLayoutId id="2147483652" r:id="rId4"/>
-    <p:sldLayoutId id="2147483653" r:id="rId5"/>
-    <p:sldLayoutId id="2147483654" r:id="rId6"/>
-    <p:sldLayoutId id="2147483655" r:id="rId7"/>
-    <p:sldLayoutId id="2147483656" r:id="rId8"/>
-    <p:sldLayoutId id="2147483657" r:id="rId9"/>
-    <p:sldLayoutId id="2147483658" r:id="rId10"/>
-    <p:sldLayoutId id="2147483659" r:id="rId11"/>
+    <p:sldLayoutId id="2147483661" r:id="rId1"/>
+    <p:sldLayoutId id="2147483662" r:id="rId2"/>
+    <p:sldLayoutId id="2147483663" r:id="rId3"/>
+    <p:sldLayoutId id="2147483664" r:id="rId4"/>
+    <p:sldLayoutId id="2147483665" r:id="rId5"/>
+    <p:sldLayoutId id="2147483666" r:id="rId6"/>
+    <p:sldLayoutId id="2147483667" r:id="rId7"/>
+    <p:sldLayoutId id="2147483668" r:id="rId8"/>
+    <p:sldLayoutId id="2147483669" r:id="rId9"/>
+    <p:sldLayoutId id="2147483670" r:id="rId10"/>
+    <p:sldLayoutId id="2147483671" r:id="rId11"/>
   </p:sldLayoutIdLst>
   <p:txStyles>
     <p:titleStyle>
-      <a:lvl1pPr algn="l" defTabSz="914400" rtl="0" eaLnBrk="1" latinLnBrk="0" hangingPunct="1">
+      <a:lvl1pPr algn="l" defTabSz="1371600" rtl="0" eaLnBrk="1" latinLnBrk="0" hangingPunct="1">
         <a:lnSpc>
           <a:spcPct val="90000"/>
         </a:lnSpc>
@@ -3031,7 +2681,7 @@
           <a:spcPct val="0"/>
         </a:spcBef>
         <a:buNone/>
-        <a:defRPr sz="4400" kern="1200">
+        <a:defRPr sz="6600" kern="1200">
           <a:solidFill>
             <a:schemeClr val="tx1"/>
           </a:solidFill>
@@ -3042,16 +2692,16 @@
       </a:lvl1pPr>
     </p:titleStyle>
     <p:bodyStyle>
-      <a:lvl1pPr marL="228600" indent="-228600" algn="l" defTabSz="914400" rtl="0" eaLnBrk="1" latinLnBrk="0" hangingPunct="1">
+      <a:lvl1pPr marL="342900" indent="-342900" algn="l" defTabSz="1371600" rtl="0" eaLnBrk="1" latinLnBrk="0" hangingPunct="1">
         <a:lnSpc>
           <a:spcPct val="90000"/>
         </a:lnSpc>
         <a:spcBef>
-          <a:spcPts val="1000"/>
+          <a:spcPts val="1500"/>
         </a:spcBef>
         <a:buFont typeface="Arial" panose="020B0604020202020204" pitchFamily="34" charset="0"/>
         <a:buChar char="•"/>
-        <a:defRPr sz="2800" kern="1200">
+        <a:defRPr sz="4200" kern="1200">
           <a:solidFill>
             <a:schemeClr val="tx1"/>
           </a:solidFill>
@@ -3060,16 +2710,16 @@
           <a:cs typeface="+mn-cs"/>
         </a:defRPr>
       </a:lvl1pPr>
-      <a:lvl2pPr marL="685800" indent="-228600" algn="l" defTabSz="914400" rtl="0" eaLnBrk="1" latinLnBrk="0" hangingPunct="1">
+      <a:lvl2pPr marL="1028700" indent="-342900" algn="l" defTabSz="1371600" rtl="0" eaLnBrk="1" latinLnBrk="0" hangingPunct="1">
         <a:lnSpc>
           <a:spcPct val="90000"/>
         </a:lnSpc>
         <a:spcBef>
-          <a:spcPts val="500"/>
+          <a:spcPts val="750"/>
         </a:spcBef>
         <a:buFont typeface="Arial" panose="020B0604020202020204" pitchFamily="34" charset="0"/>
         <a:buChar char="•"/>
-        <a:defRPr sz="2400" kern="1200">
+        <a:defRPr sz="3600" kern="1200">
           <a:solidFill>
             <a:schemeClr val="tx1"/>
           </a:solidFill>
@@ -3078,16 +2728,16 @@
           <a:cs typeface="+mn-cs"/>
         </a:defRPr>
       </a:lvl2pPr>
-      <a:lvl3pPr marL="1143000" indent="-228600" algn="l" defTabSz="914400" rtl="0" eaLnBrk="1" latinLnBrk="0" hangingPunct="1">
+      <a:lvl3pPr marL="1714500" indent="-342900" algn="l" defTabSz="1371600" rtl="0" eaLnBrk="1" latinLnBrk="0" hangingPunct="1">
         <a:lnSpc>
           <a:spcPct val="90000"/>
         </a:lnSpc>
         <a:spcBef>
-          <a:spcPts val="500"/>
+          <a:spcPts val="750"/>
         </a:spcBef>
         <a:buFont typeface="Arial" panose="020B0604020202020204" pitchFamily="34" charset="0"/>
         <a:buChar char="•"/>
-        <a:defRPr sz="2000" kern="1200">
+        <a:defRPr sz="3000" kern="1200">
           <a:solidFill>
             <a:schemeClr val="tx1"/>
           </a:solidFill>
@@ -3096,16 +2746,16 @@
           <a:cs typeface="+mn-cs"/>
         </a:defRPr>
       </a:lvl3pPr>
-      <a:lvl4pPr marL="1600200" indent="-228600" algn="l" defTabSz="914400" rtl="0" eaLnBrk="1" latinLnBrk="0" hangingPunct="1">
+      <a:lvl4pPr marL="2400300" indent="-342900" algn="l" defTabSz="1371600" rtl="0" eaLnBrk="1" latinLnBrk="0" hangingPunct="1">
         <a:lnSpc>
           <a:spcPct val="90000"/>
         </a:lnSpc>
         <a:spcBef>
-          <a:spcPts val="500"/>
+          <a:spcPts val="750"/>
         </a:spcBef>
         <a:buFont typeface="Arial" panose="020B0604020202020204" pitchFamily="34" charset="0"/>
         <a:buChar char="•"/>
-        <a:defRPr sz="1800" kern="1200">
+        <a:defRPr sz="2700" kern="1200">
           <a:solidFill>
             <a:schemeClr val="tx1"/>
           </a:solidFill>
@@ -3114,16 +2764,16 @@
           <a:cs typeface="+mn-cs"/>
         </a:defRPr>
       </a:lvl4pPr>
-      <a:lvl5pPr marL="2057400" indent="-228600" algn="l" defTabSz="914400" rtl="0" eaLnBrk="1" latinLnBrk="0" hangingPunct="1">
+      <a:lvl5pPr marL="3086100" indent="-342900" algn="l" defTabSz="1371600" rtl="0" eaLnBrk="1" latinLnBrk="0" hangingPunct="1">
         <a:lnSpc>
           <a:spcPct val="90000"/>
         </a:lnSpc>
         <a:spcBef>
-          <a:spcPts val="500"/>
+          <a:spcPts val="750"/>
         </a:spcBef>
         <a:buFont typeface="Arial" panose="020B0604020202020204" pitchFamily="34" charset="0"/>
         <a:buChar char="•"/>
-        <a:defRPr sz="1800" kern="1200">
+        <a:defRPr sz="2700" kern="1200">
           <a:solidFill>
             <a:schemeClr val="tx1"/>
           </a:solidFill>
@@ -3132,16 +2782,16 @@
           <a:cs typeface="+mn-cs"/>
         </a:defRPr>
       </a:lvl5pPr>
-      <a:lvl6pPr marL="2514600" indent="-228600" algn="l" defTabSz="914400" rtl="0" eaLnBrk="1" latinLnBrk="0" hangingPunct="1">
+      <a:lvl6pPr marL="3771900" indent="-342900" algn="l" defTabSz="1371600" rtl="0" eaLnBrk="1" latinLnBrk="0" hangingPunct="1">
         <a:lnSpc>
           <a:spcPct val="90000"/>
         </a:lnSpc>
         <a:spcBef>
-          <a:spcPts val="500"/>
+          <a:spcPts val="750"/>
         </a:spcBef>
         <a:buFont typeface="Arial" panose="020B0604020202020204" pitchFamily="34" charset="0"/>
         <a:buChar char="•"/>
-        <a:defRPr sz="1800" kern="1200">
+        <a:defRPr sz="2700" kern="1200">
           <a:solidFill>
             <a:schemeClr val="tx1"/>
           </a:solidFill>
@@ -3150,16 +2800,16 @@
           <a:cs typeface="+mn-cs"/>
         </a:defRPr>
       </a:lvl6pPr>
-      <a:lvl7pPr marL="2971800" indent="-228600" algn="l" defTabSz="914400" rtl="0" eaLnBrk="1" latinLnBrk="0" hangingPunct="1">
+      <a:lvl7pPr marL="4457700" indent="-342900" algn="l" defTabSz="1371600" rtl="0" eaLnBrk="1" latinLnBrk="0" hangingPunct="1">
         <a:lnSpc>
           <a:spcPct val="90000"/>
         </a:lnSpc>
         <a:spcBef>
-          <a:spcPts val="500"/>
+          <a:spcPts val="750"/>
         </a:spcBef>
         <a:buFont typeface="Arial" panose="020B0604020202020204" pitchFamily="34" charset="0"/>
         <a:buChar char="•"/>
-        <a:defRPr sz="1800" kern="1200">
+        <a:defRPr sz="2700" kern="1200">
           <a:solidFill>
             <a:schemeClr val="tx1"/>
           </a:solidFill>
@@ -3168,16 +2818,16 @@
           <a:cs typeface="+mn-cs"/>
         </a:defRPr>
       </a:lvl7pPr>
-      <a:lvl8pPr marL="3429000" indent="-228600" algn="l" defTabSz="914400" rtl="0" eaLnBrk="1" latinLnBrk="0" hangingPunct="1">
+      <a:lvl8pPr marL="5143500" indent="-342900" algn="l" defTabSz="1371600" rtl="0" eaLnBrk="1" latinLnBrk="0" hangingPunct="1">
         <a:lnSpc>
           <a:spcPct val="90000"/>
         </a:lnSpc>
         <a:spcBef>
-          <a:spcPts val="500"/>
+          <a:spcPts val="750"/>
         </a:spcBef>
         <a:buFont typeface="Arial" panose="020B0604020202020204" pitchFamily="34" charset="0"/>
         <a:buChar char="•"/>
-        <a:defRPr sz="1800" kern="1200">
+        <a:defRPr sz="2700" kern="1200">
           <a:solidFill>
             <a:schemeClr val="tx1"/>
           </a:solidFill>
@@ -3186,16 +2836,16 @@
           <a:cs typeface="+mn-cs"/>
         </a:defRPr>
       </a:lvl8pPr>
-      <a:lvl9pPr marL="3886200" indent="-228600" algn="l" defTabSz="914400" rtl="0" eaLnBrk="1" latinLnBrk="0" hangingPunct="1">
+      <a:lvl9pPr marL="5829300" indent="-342900" algn="l" defTabSz="1371600" rtl="0" eaLnBrk="1" latinLnBrk="0" hangingPunct="1">
         <a:lnSpc>
           <a:spcPct val="90000"/>
         </a:lnSpc>
         <a:spcBef>
-          <a:spcPts val="500"/>
+          <a:spcPts val="750"/>
         </a:spcBef>
         <a:buFont typeface="Arial" panose="020B0604020202020204" pitchFamily="34" charset="0"/>
         <a:buChar char="•"/>
-        <a:defRPr sz="1800" kern="1200">
+        <a:defRPr sz="2700" kern="1200">
           <a:solidFill>
             <a:schemeClr val="tx1"/>
           </a:solidFill>
@@ -3209,8 +2859,8 @@
       <a:defPPr>
         <a:defRPr lang="en-US"/>
       </a:defPPr>
-      <a:lvl1pPr marL="0" algn="l" defTabSz="914400" rtl="0" eaLnBrk="1" latinLnBrk="0" hangingPunct="1">
-        <a:defRPr sz="1800" kern="1200">
+      <a:lvl1pPr marL="0" algn="l" defTabSz="1371600" rtl="0" eaLnBrk="1" latinLnBrk="0" hangingPunct="1">
+        <a:defRPr sz="2700" kern="1200">
           <a:solidFill>
             <a:schemeClr val="tx1"/>
           </a:solidFill>
@@ -3219,8 +2869,8 @@
           <a:cs typeface="+mn-cs"/>
         </a:defRPr>
       </a:lvl1pPr>
-      <a:lvl2pPr marL="457200" algn="l" defTabSz="914400" rtl="0" eaLnBrk="1" latinLnBrk="0" hangingPunct="1">
-        <a:defRPr sz="1800" kern="1200">
+      <a:lvl2pPr marL="685800" algn="l" defTabSz="1371600" rtl="0" eaLnBrk="1" latinLnBrk="0" hangingPunct="1">
+        <a:defRPr sz="2700" kern="1200">
           <a:solidFill>
             <a:schemeClr val="tx1"/>
           </a:solidFill>
@@ -3229,8 +2879,8 @@
           <a:cs typeface="+mn-cs"/>
         </a:defRPr>
       </a:lvl2pPr>
-      <a:lvl3pPr marL="914400" algn="l" defTabSz="914400" rtl="0" eaLnBrk="1" latinLnBrk="0" hangingPunct="1">
-        <a:defRPr sz="1800" kern="1200">
+      <a:lvl3pPr marL="1371600" algn="l" defTabSz="1371600" rtl="0" eaLnBrk="1" latinLnBrk="0" hangingPunct="1">
+        <a:defRPr sz="2700" kern="1200">
           <a:solidFill>
             <a:schemeClr val="tx1"/>
           </a:solidFill>
@@ -3239,8 +2889,8 @@
           <a:cs typeface="+mn-cs"/>
         </a:defRPr>
       </a:lvl3pPr>
-      <a:lvl4pPr marL="1371600" algn="l" defTabSz="914400" rtl="0" eaLnBrk="1" latinLnBrk="0" hangingPunct="1">
-        <a:defRPr sz="1800" kern="1200">
+      <a:lvl4pPr marL="2057400" algn="l" defTabSz="1371600" rtl="0" eaLnBrk="1" latinLnBrk="0" hangingPunct="1">
+        <a:defRPr sz="2700" kern="1200">
           <a:solidFill>
             <a:schemeClr val="tx1"/>
           </a:solidFill>
@@ -3249,8 +2899,8 @@
           <a:cs typeface="+mn-cs"/>
         </a:defRPr>
       </a:lvl4pPr>
-      <a:lvl5pPr marL="1828800" algn="l" defTabSz="914400" rtl="0" eaLnBrk="1" latinLnBrk="0" hangingPunct="1">
-        <a:defRPr sz="1800" kern="1200">
+      <a:lvl5pPr marL="2743200" algn="l" defTabSz="1371600" rtl="0" eaLnBrk="1" latinLnBrk="0" hangingPunct="1">
+        <a:defRPr sz="2700" kern="1200">
           <a:solidFill>
             <a:schemeClr val="tx1"/>
           </a:solidFill>
@@ -3259,8 +2909,8 @@
           <a:cs typeface="+mn-cs"/>
         </a:defRPr>
       </a:lvl5pPr>
-      <a:lvl6pPr marL="2286000" algn="l" defTabSz="914400" rtl="0" eaLnBrk="1" latinLnBrk="0" hangingPunct="1">
-        <a:defRPr sz="1800" kern="1200">
+      <a:lvl6pPr marL="3429000" algn="l" defTabSz="1371600" rtl="0" eaLnBrk="1" latinLnBrk="0" hangingPunct="1">
+        <a:defRPr sz="2700" kern="1200">
           <a:solidFill>
             <a:schemeClr val="tx1"/>
           </a:solidFill>
@@ -3269,8 +2919,8 @@
           <a:cs typeface="+mn-cs"/>
         </a:defRPr>
       </a:lvl6pPr>
-      <a:lvl7pPr marL="2743200" algn="l" defTabSz="914400" rtl="0" eaLnBrk="1" latinLnBrk="0" hangingPunct="1">
-        <a:defRPr sz="1800" kern="1200">
+      <a:lvl7pPr marL="4114800" algn="l" defTabSz="1371600" rtl="0" eaLnBrk="1" latinLnBrk="0" hangingPunct="1">
+        <a:defRPr sz="2700" kern="1200">
           <a:solidFill>
             <a:schemeClr val="tx1"/>
           </a:solidFill>
@@ -3279,8 +2929,8 @@
           <a:cs typeface="+mn-cs"/>
         </a:defRPr>
       </a:lvl7pPr>
-      <a:lvl8pPr marL="3200400" algn="l" defTabSz="914400" rtl="0" eaLnBrk="1" latinLnBrk="0" hangingPunct="1">
-        <a:defRPr sz="1800" kern="1200">
+      <a:lvl8pPr marL="4800600" algn="l" defTabSz="1371600" rtl="0" eaLnBrk="1" latinLnBrk="0" hangingPunct="1">
+        <a:defRPr sz="2700" kern="1200">
           <a:solidFill>
             <a:schemeClr val="tx1"/>
           </a:solidFill>
@@ -3289,8 +2939,8 @@
           <a:cs typeface="+mn-cs"/>
         </a:defRPr>
       </a:lvl8pPr>
-      <a:lvl9pPr marL="3657600" algn="l" defTabSz="914400" rtl="0" eaLnBrk="1" latinLnBrk="0" hangingPunct="1">
-        <a:defRPr sz="1800" kern="1200">
+      <a:lvl9pPr marL="5486400" algn="l" defTabSz="1371600" rtl="0" eaLnBrk="1" latinLnBrk="0" hangingPunct="1">
+        <a:defRPr sz="2700" kern="1200">
           <a:solidFill>
             <a:schemeClr val="tx1"/>
           </a:solidFill>
@@ -3350,8 +3000,8 @@
         </p:blipFill>
         <p:spPr bwMode="auto">
           <a:xfrm>
-            <a:off x="1443557" y="1270321"/>
-            <a:ext cx="758952" cy="758952"/>
+            <a:off x="1624002" y="3057886"/>
+            <a:ext cx="853821" cy="853821"/>
           </a:xfrm>
           <a:prstGeom prst="rect">
             <a:avLst/>
@@ -3397,8 +3047,8 @@
         </p:nvSpPr>
         <p:spPr bwMode="auto">
           <a:xfrm>
-            <a:off x="1153050" y="1988130"/>
-            <a:ext cx="1331031" cy="461665"/>
+            <a:off x="1297182" y="3865422"/>
+            <a:ext cx="1497410" cy="507831"/>
           </a:xfrm>
           <a:prstGeom prst="rect">
             <a:avLst/>
@@ -3559,7 +3209,7 @@
           <a:p>
             <a:pPr algn="ctr" eaLnBrk="1" hangingPunct="1"/>
             <a:r>
-              <a:rPr lang="en-US" altLang="en-US" sz="1200" dirty="0">
+              <a:rPr lang="en-US" altLang="en-US" sz="1350" dirty="0">
                 <a:latin typeface="Arial" panose="020B0604020202020204" pitchFamily="34" charset="0"/>
                 <a:ea typeface="Amazon Ember" panose="020B0603020204020204" pitchFamily="34" charset="0"/>
                 <a:cs typeface="Arial" panose="020B0604020202020204" pitchFamily="34" charset="0"/>
@@ -3598,8 +3248,8 @@
         </p:blipFill>
         <p:spPr bwMode="auto">
           <a:xfrm>
-            <a:off x="1443557" y="2546791"/>
-            <a:ext cx="758952" cy="758952"/>
+            <a:off x="1624002" y="4493915"/>
+            <a:ext cx="853821" cy="853821"/>
           </a:xfrm>
           <a:prstGeom prst="rect">
             <a:avLst/>
@@ -3645,8 +3295,8 @@
         </p:nvSpPr>
         <p:spPr bwMode="auto">
           <a:xfrm>
-            <a:off x="1153050" y="3296197"/>
-            <a:ext cx="1338316" cy="461665"/>
+            <a:off x="1297181" y="5336997"/>
+            <a:ext cx="1505606" cy="507831"/>
           </a:xfrm>
           <a:prstGeom prst="rect">
             <a:avLst/>
@@ -3780,7 +3430,7 @@
           <a:p>
             <a:pPr algn="ctr" eaLnBrk="1" hangingPunct="1"/>
             <a:r>
-              <a:rPr lang="en-US" altLang="en-US" sz="1200" dirty="0">
+              <a:rPr lang="en-US" altLang="en-US" sz="1350" dirty="0">
                 <a:latin typeface="Arial" panose="020B0604020202020204" pitchFamily="34" charset="0"/>
                 <a:ea typeface="Amazon Ember" panose="020B0603020204020204" pitchFamily="34" charset="0"/>
                 <a:cs typeface="Arial" panose="020B0604020202020204" pitchFamily="34" charset="0"/>
@@ -3819,8 +3469,8 @@
         </p:blipFill>
         <p:spPr bwMode="auto">
           <a:xfrm>
-            <a:off x="1443557" y="3828633"/>
-            <a:ext cx="758952" cy="758952"/>
+            <a:off x="1624002" y="5935987"/>
+            <a:ext cx="853821" cy="853821"/>
           </a:xfrm>
           <a:prstGeom prst="rect">
             <a:avLst/>
@@ -3866,8 +3516,8 @@
         </p:nvSpPr>
         <p:spPr bwMode="auto">
           <a:xfrm>
-            <a:off x="1156342" y="4587585"/>
-            <a:ext cx="1335024" cy="276999"/>
+            <a:off x="1300885" y="6789808"/>
+            <a:ext cx="1501902" cy="300082"/>
           </a:xfrm>
           <a:prstGeom prst="rect">
             <a:avLst/>
@@ -4001,7 +3651,7 @@
           <a:p>
             <a:pPr algn="ctr" eaLnBrk="1" hangingPunct="1"/>
             <a:r>
-              <a:rPr lang="en-US" altLang="en-US" sz="1200" dirty="0">
+              <a:rPr lang="en-US" altLang="en-US" sz="1350" dirty="0">
                 <a:latin typeface="Arial" panose="020B0604020202020204" pitchFamily="34" charset="0"/>
                 <a:cs typeface="Arial" panose="020B0604020202020204" pitchFamily="34" charset="0"/>
               </a:rPr>
@@ -4039,8 +3689,8 @@
         </p:blipFill>
         <p:spPr bwMode="auto">
           <a:xfrm>
-            <a:off x="1439089" y="4935355"/>
-            <a:ext cx="758952" cy="758952"/>
+            <a:off x="1618975" y="7181049"/>
+            <a:ext cx="853821" cy="853821"/>
           </a:xfrm>
           <a:prstGeom prst="rect">
             <a:avLst/>
@@ -4086,8 +3736,8 @@
         </p:nvSpPr>
         <p:spPr bwMode="auto">
           <a:xfrm>
-            <a:off x="1156342" y="5694307"/>
-            <a:ext cx="1335024" cy="461665"/>
+            <a:off x="1300885" y="8034871"/>
+            <a:ext cx="1501902" cy="507831"/>
           </a:xfrm>
           <a:prstGeom prst="rect">
             <a:avLst/>
@@ -4221,7 +3871,7 @@
           <a:p>
             <a:pPr algn="ctr" eaLnBrk="1" hangingPunct="1"/>
             <a:r>
-              <a:rPr lang="en-US" altLang="en-US" sz="1200" dirty="0">
+              <a:rPr lang="en-US" altLang="en-US" sz="1350" dirty="0">
                 <a:latin typeface="Arial" panose="020B0604020202020204" pitchFamily="34" charset="0"/>
                 <a:ea typeface="Amazon Ember" panose="020B0603020204020204" pitchFamily="34" charset="0"/>
                 <a:cs typeface="Arial" panose="020B0604020202020204" pitchFamily="34" charset="0"/>
@@ -4245,8 +3895,8 @@
         </p:nvSpPr>
         <p:spPr>
           <a:xfrm>
-            <a:off x="3012651" y="3880809"/>
-            <a:ext cx="1765300" cy="2431643"/>
+            <a:off x="3389232" y="5994686"/>
+            <a:ext cx="1985963" cy="2735598"/>
           </a:xfrm>
           <a:prstGeom prst="rect">
             <a:avLst/>
@@ -4278,20 +3928,14 @@
           </a:fontRef>
         </p:style>
         <p:txBody>
-          <a:bodyPr lIns="502920"/>
+          <a:bodyPr lIns="565785"/>
           <a:lstStyle/>
           <a:p>
-            <a:pPr eaLnBrk="1" fontAlgn="auto" hangingPunct="1">
-              <a:spcBef>
-                <a:spcPts val="0"/>
-              </a:spcBef>
-              <a:spcAft>
-                <a:spcPts val="0"/>
-              </a:spcAft>
+            <a:pPr>
               <a:defRPr/>
             </a:pPr>
             <a:r>
-              <a:rPr lang="en-US" sz="1200" dirty="0">
+              <a:rPr lang="en-US" sz="1350" dirty="0">
                 <a:solidFill>
                   <a:srgbClr val="5B9CD5"/>
                 </a:solidFill>
@@ -4331,8 +3975,8 @@
         </p:blipFill>
         <p:spPr>
           <a:xfrm>
-            <a:off x="3017413" y="3882398"/>
-            <a:ext cx="381000" cy="381000"/>
+            <a:off x="3394590" y="5996473"/>
+            <a:ext cx="428625" cy="428625"/>
           </a:xfrm>
           <a:prstGeom prst="rect">
             <a:avLst/>
@@ -4353,8 +3997,8 @@
         </p:nvSpPr>
         <p:spPr>
           <a:xfrm>
-            <a:off x="6584112" y="3880809"/>
-            <a:ext cx="1765300" cy="2431643"/>
+            <a:off x="7407126" y="5994686"/>
+            <a:ext cx="1985963" cy="2735598"/>
           </a:xfrm>
           <a:prstGeom prst="rect">
             <a:avLst/>
@@ -4386,20 +4030,14 @@
           </a:fontRef>
         </p:style>
         <p:txBody>
-          <a:bodyPr lIns="502920"/>
+          <a:bodyPr lIns="565785"/>
           <a:lstStyle/>
           <a:p>
-            <a:pPr eaLnBrk="1" fontAlgn="auto" hangingPunct="1">
-              <a:spcBef>
-                <a:spcPts val="0"/>
-              </a:spcBef>
-              <a:spcAft>
-                <a:spcPts val="0"/>
-              </a:spcAft>
+            <a:pPr>
               <a:defRPr/>
             </a:pPr>
             <a:r>
-              <a:rPr lang="en-US" sz="1200" dirty="0">
+              <a:rPr lang="en-US" sz="1350" dirty="0">
                 <a:solidFill>
                   <a:srgbClr val="5B9CD5"/>
                 </a:solidFill>
@@ -4439,8 +4077,8 @@
         </p:blipFill>
         <p:spPr>
           <a:xfrm>
-            <a:off x="6588874" y="3882398"/>
-            <a:ext cx="381000" cy="381000"/>
+            <a:off x="7412483" y="5996473"/>
+            <a:ext cx="428625" cy="428625"/>
           </a:xfrm>
           <a:prstGeom prst="rect">
             <a:avLst/>
@@ -4461,8 +4099,8 @@
         </p:nvSpPr>
         <p:spPr>
           <a:xfrm>
-            <a:off x="3012016" y="951013"/>
-            <a:ext cx="1765300" cy="2746344"/>
+            <a:off x="3388518" y="2698665"/>
+            <a:ext cx="1985963" cy="3089637"/>
           </a:xfrm>
           <a:prstGeom prst="rect">
             <a:avLst/>
@@ -4494,20 +4132,14 @@
           </a:fontRef>
         </p:style>
         <p:txBody>
-          <a:bodyPr lIns="502920"/>
+          <a:bodyPr lIns="565785"/>
           <a:lstStyle/>
           <a:p>
-            <a:pPr eaLnBrk="1" fontAlgn="auto" hangingPunct="1">
-              <a:spcBef>
-                <a:spcPts val="0"/>
-              </a:spcBef>
-              <a:spcAft>
-                <a:spcPts val="0"/>
-              </a:spcAft>
+            <a:pPr>
               <a:defRPr/>
             </a:pPr>
             <a:r>
-              <a:rPr lang="en-US" sz="1200" dirty="0">
+              <a:rPr lang="en-US" sz="1350" dirty="0">
                 <a:solidFill>
                   <a:srgbClr val="1E8900"/>
                 </a:solidFill>
@@ -4547,8 +4179,8 @@
         </p:blipFill>
         <p:spPr>
           <a:xfrm>
-            <a:off x="3012651" y="952600"/>
-            <a:ext cx="381000" cy="385659"/>
+            <a:off x="3389232" y="2700451"/>
+            <a:ext cx="428625" cy="433866"/>
           </a:xfrm>
           <a:prstGeom prst="rect">
             <a:avLst/>
@@ -4569,8 +4201,8 @@
         </p:nvSpPr>
         <p:spPr>
           <a:xfrm>
-            <a:off x="6584112" y="951013"/>
-            <a:ext cx="1765300" cy="2746344"/>
+            <a:off x="7407126" y="2698665"/>
+            <a:ext cx="1985963" cy="3089637"/>
           </a:xfrm>
           <a:prstGeom prst="rect">
             <a:avLst/>
@@ -4602,20 +4234,14 @@
           </a:fontRef>
         </p:style>
         <p:txBody>
-          <a:bodyPr lIns="502920"/>
+          <a:bodyPr lIns="565785"/>
           <a:lstStyle/>
           <a:p>
-            <a:pPr eaLnBrk="1" fontAlgn="auto" hangingPunct="1">
-              <a:spcBef>
-                <a:spcPts val="0"/>
-              </a:spcBef>
-              <a:spcAft>
-                <a:spcPts val="0"/>
-              </a:spcAft>
+            <a:pPr>
               <a:defRPr/>
             </a:pPr>
             <a:r>
-              <a:rPr lang="en-US" sz="1200" dirty="0">
+              <a:rPr lang="en-US" sz="1350" dirty="0">
                 <a:solidFill>
                   <a:srgbClr val="1E8900"/>
                 </a:solidFill>
@@ -4655,8 +4281,8 @@
         </p:blipFill>
         <p:spPr>
           <a:xfrm>
-            <a:off x="6584747" y="952600"/>
-            <a:ext cx="381000" cy="385659"/>
+            <a:off x="7407840" y="2700451"/>
+            <a:ext cx="428625" cy="433866"/>
           </a:xfrm>
           <a:prstGeom prst="rect">
             <a:avLst/>
@@ -4677,8 +4303,8 @@
         </p:nvSpPr>
         <p:spPr>
           <a:xfrm>
-            <a:off x="2947111" y="185530"/>
-            <a:ext cx="1889932" cy="6400800"/>
+            <a:off x="3315500" y="1837496"/>
+            <a:ext cx="2126174" cy="7200900"/>
           </a:xfrm>
           <a:prstGeom prst="rect">
             <a:avLst/>
@@ -4708,20 +4334,14 @@
           </a:fontRef>
         </p:style>
         <p:txBody>
-          <a:bodyPr tIns="91440"/>
+          <a:bodyPr tIns="102870"/>
           <a:lstStyle/>
           <a:p>
-            <a:pPr algn="ctr" eaLnBrk="1" fontAlgn="auto" hangingPunct="1">
-              <a:spcBef>
-                <a:spcPts val="0"/>
-              </a:spcBef>
-              <a:spcAft>
-                <a:spcPts val="0"/>
-              </a:spcAft>
+            <a:pPr algn="ctr">
               <a:defRPr/>
             </a:pPr>
             <a:r>
-              <a:rPr lang="en-US" sz="1200" dirty="0">
+              <a:rPr lang="en-US" sz="1350" dirty="0">
                 <a:solidFill>
                   <a:srgbClr val="5B9CD5"/>
                 </a:solidFill>
@@ -4747,8 +4367,8 @@
         </p:nvSpPr>
         <p:spPr>
           <a:xfrm>
-            <a:off x="6521796" y="185530"/>
-            <a:ext cx="1889932" cy="6400800"/>
+            <a:off x="7337020" y="1837496"/>
+            <a:ext cx="2126174" cy="7200900"/>
           </a:xfrm>
           <a:prstGeom prst="rect">
             <a:avLst/>
@@ -4778,20 +4398,14 @@
           </a:fontRef>
         </p:style>
         <p:txBody>
-          <a:bodyPr tIns="91440"/>
+          <a:bodyPr tIns="102870"/>
           <a:lstStyle/>
           <a:p>
-            <a:pPr algn="ctr" eaLnBrk="1" fontAlgn="auto" hangingPunct="1">
-              <a:spcBef>
-                <a:spcPts val="0"/>
-              </a:spcBef>
-              <a:spcAft>
-                <a:spcPts val="0"/>
-              </a:spcAft>
+            <a:pPr algn="ctr">
               <a:defRPr/>
             </a:pPr>
             <a:r>
-              <a:rPr lang="en-US" sz="1200" dirty="0">
+              <a:rPr lang="en-US" sz="1350" dirty="0">
                 <a:solidFill>
                   <a:srgbClr val="5B9CD5"/>
                 </a:solidFill>
@@ -4819,8 +4433,8 @@
         </p:nvSpPr>
         <p:spPr bwMode="auto">
           <a:xfrm>
-            <a:off x="5050849" y="2935080"/>
-            <a:ext cx="1252531" cy="430887"/>
+            <a:off x="5682206" y="4930741"/>
+            <a:ext cx="1409097" cy="473335"/>
           </a:xfrm>
           <a:prstGeom prst="rect">
             <a:avLst/>
@@ -4954,7 +4568,7 @@
           <a:p>
             <a:pPr algn="ctr" eaLnBrk="1" hangingPunct="1"/>
             <a:r>
-              <a:rPr lang="en-US" altLang="en-US" sz="1100" dirty="0" err="1">
+              <a:rPr lang="en-US" altLang="en-US" sz="1238" dirty="0" err="1">
                 <a:latin typeface="Arial" panose="020B0604020202020204" pitchFamily="34" charset="0"/>
                 <a:ea typeface="Amazon Ember" panose="020B0603020204020204" pitchFamily="34" charset="0"/>
                 <a:cs typeface="Arial" panose="020B0604020202020204" pitchFamily="34" charset="0"/>
@@ -4962,7 +4576,7 @@
               <a:t>Immuta</a:t>
             </a:r>
             <a:r>
-              <a:rPr lang="en-US" altLang="en-US" sz="1100" dirty="0">
+              <a:rPr lang="en-US" altLang="en-US" sz="1238" dirty="0">
                 <a:latin typeface="Arial" panose="020B0604020202020204" pitchFamily="34" charset="0"/>
                 <a:ea typeface="Amazon Ember" panose="020B0603020204020204" pitchFamily="34" charset="0"/>
                 <a:cs typeface="Arial" panose="020B0604020202020204" pitchFamily="34" charset="0"/>
@@ -4970,14 +4584,14 @@
               <a:t> Load </a:t>
             </a:r>
             <a:br>
-              <a:rPr lang="en-US" altLang="en-US" sz="1100" dirty="0">
+              <a:rPr lang="en-US" altLang="en-US" sz="1238" dirty="0">
                 <a:latin typeface="Arial" panose="020B0604020202020204" pitchFamily="34" charset="0"/>
                 <a:ea typeface="Amazon Ember" panose="020B0603020204020204" pitchFamily="34" charset="0"/>
                 <a:cs typeface="Arial" panose="020B0604020202020204" pitchFamily="34" charset="0"/>
               </a:rPr>
             </a:br>
             <a:r>
-              <a:rPr lang="en-US" altLang="en-US" sz="1100" dirty="0">
+              <a:rPr lang="en-US" altLang="en-US" sz="1238" dirty="0">
                 <a:latin typeface="Arial" panose="020B0604020202020204" pitchFamily="34" charset="0"/>
                 <a:ea typeface="Amazon Ember" panose="020B0603020204020204" pitchFamily="34" charset="0"/>
                 <a:cs typeface="Arial" panose="020B0604020202020204" pitchFamily="34" charset="0"/>
@@ -5016,8 +4630,8 @@
         </p:blipFill>
         <p:spPr bwMode="auto">
           <a:xfrm>
-            <a:off x="5441605" y="2452480"/>
-            <a:ext cx="457200" cy="457200"/>
+            <a:off x="6121806" y="4387815"/>
+            <a:ext cx="514350" cy="514350"/>
           </a:xfrm>
           <a:prstGeom prst="rect">
             <a:avLst/>
@@ -5063,8 +4677,8 @@
         </p:nvSpPr>
         <p:spPr bwMode="auto">
           <a:xfrm>
-            <a:off x="5050849" y="1865415"/>
-            <a:ext cx="1252531" cy="430887"/>
+            <a:off x="5682206" y="3727367"/>
+            <a:ext cx="1409097" cy="473335"/>
           </a:xfrm>
           <a:prstGeom prst="rect">
             <a:avLst/>
@@ -5198,7 +4812,7 @@
           <a:p>
             <a:pPr algn="ctr" eaLnBrk="1" hangingPunct="1"/>
             <a:r>
-              <a:rPr lang="en-US" altLang="en-US" sz="1100" dirty="0">
+              <a:rPr lang="en-US" altLang="en-US" sz="1238" dirty="0">
                 <a:latin typeface="Arial" panose="020B0604020202020204" pitchFamily="34" charset="0"/>
                 <a:ea typeface="Amazon Ember" panose="020B0603020204020204" pitchFamily="34" charset="0"/>
                 <a:cs typeface="Arial" panose="020B0604020202020204" pitchFamily="34" charset="0"/>
@@ -5206,14 +4820,14 @@
               <a:t>FID Load </a:t>
             </a:r>
             <a:br>
-              <a:rPr lang="en-US" altLang="en-US" sz="1100" dirty="0">
+              <a:rPr lang="en-US" altLang="en-US" sz="1238" dirty="0">
                 <a:latin typeface="Arial" panose="020B0604020202020204" pitchFamily="34" charset="0"/>
                 <a:ea typeface="Amazon Ember" panose="020B0603020204020204" pitchFamily="34" charset="0"/>
                 <a:cs typeface="Arial" panose="020B0604020202020204" pitchFamily="34" charset="0"/>
               </a:rPr>
             </a:br>
             <a:r>
-              <a:rPr lang="en-US" altLang="en-US" sz="1100" dirty="0">
+              <a:rPr lang="en-US" altLang="en-US" sz="1238" dirty="0">
                 <a:latin typeface="Arial" panose="020B0604020202020204" pitchFamily="34" charset="0"/>
                 <a:ea typeface="Amazon Ember" panose="020B0603020204020204" pitchFamily="34" charset="0"/>
                 <a:cs typeface="Arial" panose="020B0604020202020204" pitchFamily="34" charset="0"/>
@@ -5252,8 +4866,8 @@
         </p:blipFill>
         <p:spPr bwMode="auto">
           <a:xfrm>
-            <a:off x="5441605" y="1382815"/>
-            <a:ext cx="457200" cy="457200"/>
+            <a:off x="6121806" y="3184442"/>
+            <a:ext cx="514350" cy="514350"/>
           </a:xfrm>
           <a:prstGeom prst="rect">
             <a:avLst/>
@@ -5312,8 +4926,8 @@
         </p:blipFill>
         <p:spPr bwMode="auto">
           <a:xfrm>
-            <a:off x="5301343" y="4012610"/>
-            <a:ext cx="762000" cy="762000"/>
+            <a:off x="5964011" y="6142961"/>
+            <a:ext cx="857250" cy="857250"/>
           </a:xfrm>
           <a:prstGeom prst="rect">
             <a:avLst/>
@@ -5359,8 +4973,8 @@
         </p:nvSpPr>
         <p:spPr bwMode="auto">
           <a:xfrm>
-            <a:off x="4532993" y="4773022"/>
-            <a:ext cx="2268538" cy="646331"/>
+            <a:off x="5099617" y="6998425"/>
+            <a:ext cx="2552105" cy="715581"/>
           </a:xfrm>
           <a:prstGeom prst="rect">
             <a:avLst/>
@@ -5494,7 +5108,7 @@
           <a:p>
             <a:pPr algn="ctr" eaLnBrk="1" hangingPunct="1"/>
             <a:r>
-              <a:rPr lang="en-US" altLang="en-US" sz="1200" dirty="0">
+              <a:rPr lang="en-US" altLang="en-US" sz="1350" dirty="0">
                 <a:latin typeface="Arial" panose="020B0604020202020204" pitchFamily="34" charset="0"/>
                 <a:ea typeface="Amazon Ember" panose="020B0603020204020204" pitchFamily="34" charset="0"/>
                 <a:cs typeface="Arial" panose="020B0604020202020204" pitchFamily="34" charset="0"/>
@@ -5505,7 +5119,7 @@
           <a:p>
             <a:pPr algn="ctr" eaLnBrk="1" hangingPunct="1"/>
             <a:r>
-              <a:rPr lang="en-US" altLang="en-US" sz="1200" dirty="0">
+              <a:rPr lang="en-US" altLang="en-US" sz="1350" dirty="0">
                 <a:latin typeface="Arial" panose="020B0604020202020204" pitchFamily="34" charset="0"/>
                 <a:ea typeface="Amazon Ember" panose="020B0603020204020204" pitchFamily="34" charset="0"/>
                 <a:cs typeface="Arial" panose="020B0604020202020204" pitchFamily="34" charset="0"/>
@@ -5516,7 +5130,7 @@
           <a:p>
             <a:pPr algn="ctr" eaLnBrk="1" hangingPunct="1"/>
             <a:r>
-              <a:rPr lang="en-US" altLang="en-US" sz="1200" dirty="0">
+              <a:rPr lang="en-US" altLang="en-US" sz="1350" dirty="0">
                 <a:latin typeface="Arial" panose="020B0604020202020204" pitchFamily="34" charset="0"/>
                 <a:ea typeface="Amazon Ember" panose="020B0603020204020204" pitchFamily="34" charset="0"/>
                 <a:cs typeface="Arial" panose="020B0604020202020204" pitchFamily="34" charset="0"/>
@@ -5542,8 +5156,8 @@
         </p:nvSpPr>
         <p:spPr bwMode="auto">
           <a:xfrm>
-            <a:off x="4807217" y="5959665"/>
-            <a:ext cx="1644650" cy="430887"/>
+            <a:off x="5408119" y="8333399"/>
+            <a:ext cx="1850231" cy="473335"/>
           </a:xfrm>
           <a:prstGeom prst="rect">
             <a:avLst/>
@@ -5677,7 +5291,7 @@
           <a:p>
             <a:pPr algn="ctr" eaLnBrk="1" hangingPunct="1"/>
             <a:r>
-              <a:rPr lang="en-US" altLang="en-US" sz="1100" dirty="0">
+              <a:rPr lang="en-US" altLang="en-US" sz="1238" dirty="0">
                 <a:latin typeface="Arial" panose="020B0604020202020204" pitchFamily="34" charset="0"/>
                 <a:ea typeface="Amazon Ember" panose="020B0603020204020204" pitchFamily="34" charset="0"/>
                 <a:cs typeface="Arial" panose="020B0604020202020204" pitchFamily="34" charset="0"/>
@@ -5688,7 +5302,7 @@
           <a:p>
             <a:pPr algn="ctr" eaLnBrk="1" hangingPunct="1"/>
             <a:r>
-              <a:rPr lang="en-US" altLang="en-US" sz="1100" dirty="0">
+              <a:rPr lang="en-US" altLang="en-US" sz="1238" dirty="0">
                 <a:latin typeface="Arial" panose="020B0604020202020204" pitchFamily="34" charset="0"/>
                 <a:ea typeface="Amazon Ember" panose="020B0603020204020204" pitchFamily="34" charset="0"/>
                 <a:cs typeface="Arial" panose="020B0604020202020204" pitchFamily="34" charset="0"/>
@@ -5727,8 +5341,8 @@
         </p:blipFill>
         <p:spPr bwMode="auto">
           <a:xfrm>
-            <a:off x="5400942" y="5502465"/>
-            <a:ext cx="457200" cy="457200"/>
+            <a:off x="6076060" y="7819048"/>
+            <a:ext cx="514350" cy="514350"/>
           </a:xfrm>
           <a:prstGeom prst="rect">
             <a:avLst/>
@@ -5787,8 +5401,8 @@
         </p:blipFill>
         <p:spPr bwMode="auto">
           <a:xfrm>
-            <a:off x="3663714" y="5344399"/>
-            <a:ext cx="457200" cy="457200"/>
+            <a:off x="4121678" y="7641224"/>
+            <a:ext cx="514350" cy="514350"/>
           </a:xfrm>
           <a:prstGeom prst="rect">
             <a:avLst/>
@@ -5834,8 +5448,8 @@
         </p:nvSpPr>
         <p:spPr bwMode="auto">
           <a:xfrm>
-            <a:off x="3330129" y="5796143"/>
-            <a:ext cx="1115568" cy="430887"/>
+            <a:off x="3746395" y="8149436"/>
+            <a:ext cx="1255014" cy="473335"/>
           </a:xfrm>
           <a:prstGeom prst="rect">
             <a:avLst/>
@@ -5969,7 +5583,7 @@
           <a:p>
             <a:pPr algn="ctr" eaLnBrk="1" hangingPunct="1"/>
             <a:r>
-              <a:rPr lang="en-US" altLang="en-US" sz="1100" dirty="0">
+              <a:rPr lang="en-US" altLang="en-US" sz="1238" dirty="0">
                 <a:latin typeface="Arial" panose="020B0604020202020204" pitchFamily="34" charset="0"/>
                 <a:ea typeface="Amazon Ember" panose="020B0603020204020204" pitchFamily="34" charset="0"/>
                 <a:cs typeface="Arial" panose="020B0604020202020204" pitchFamily="34" charset="0"/>
@@ -5980,7 +5594,7 @@
           <a:p>
             <a:pPr algn="ctr" eaLnBrk="1" hangingPunct="1"/>
             <a:r>
-              <a:rPr lang="en-US" altLang="en-US" sz="1100" dirty="0">
+              <a:rPr lang="en-US" altLang="en-US" sz="1238" dirty="0">
                 <a:latin typeface="Arial" panose="020B0604020202020204" pitchFamily="34" charset="0"/>
                 <a:ea typeface="Amazon Ember" panose="020B0603020204020204" pitchFamily="34" charset="0"/>
                 <a:cs typeface="Arial" panose="020B0604020202020204" pitchFamily="34" charset="0"/>
@@ -6019,8 +5633,8 @@
         </p:blipFill>
         <p:spPr bwMode="auto">
           <a:xfrm>
-            <a:off x="7213610" y="5338943"/>
-            <a:ext cx="457200" cy="457200"/>
+            <a:off x="8115311" y="7635086"/>
+            <a:ext cx="514350" cy="514350"/>
           </a:xfrm>
           <a:prstGeom prst="rect">
             <a:avLst/>
@@ -6066,8 +5680,8 @@
         </p:nvSpPr>
         <p:spPr bwMode="auto">
           <a:xfrm>
-            <a:off x="6880025" y="5790687"/>
-            <a:ext cx="1115568" cy="430887"/>
+            <a:off x="7740028" y="8143298"/>
+            <a:ext cx="1255014" cy="473335"/>
           </a:xfrm>
           <a:prstGeom prst="rect">
             <a:avLst/>
@@ -6201,7 +5815,7 @@
           <a:p>
             <a:pPr algn="ctr" eaLnBrk="1" hangingPunct="1"/>
             <a:r>
-              <a:rPr lang="en-US" altLang="en-US" sz="1100" dirty="0">
+              <a:rPr lang="en-US" altLang="en-US" sz="1238" dirty="0">
                 <a:latin typeface="Arial" panose="020B0604020202020204" pitchFamily="34" charset="0"/>
                 <a:ea typeface="Amazon Ember" panose="020B0603020204020204" pitchFamily="34" charset="0"/>
                 <a:cs typeface="Arial" panose="020B0604020202020204" pitchFamily="34" charset="0"/>
@@ -6212,7 +5826,7 @@
           <a:p>
             <a:pPr algn="ctr" eaLnBrk="1" hangingPunct="1"/>
             <a:r>
-              <a:rPr lang="en-US" altLang="en-US" sz="1100" dirty="0">
+              <a:rPr lang="en-US" altLang="en-US" sz="1238" dirty="0">
                 <a:latin typeface="Arial" panose="020B0604020202020204" pitchFamily="34" charset="0"/>
                 <a:ea typeface="Amazon Ember" panose="020B0603020204020204" pitchFamily="34" charset="0"/>
                 <a:cs typeface="Arial" panose="020B0604020202020204" pitchFamily="34" charset="0"/>
@@ -6238,8 +5852,8 @@
         </p:nvSpPr>
         <p:spPr bwMode="auto">
           <a:xfrm>
-            <a:off x="3298290" y="2990886"/>
-            <a:ext cx="1234766" cy="261610"/>
+            <a:off x="3710576" y="4993522"/>
+            <a:ext cx="1389112" cy="282834"/>
           </a:xfrm>
           <a:prstGeom prst="rect">
             <a:avLst/>
@@ -6373,7 +5987,7 @@
           <a:p>
             <a:pPr algn="ctr" eaLnBrk="1" hangingPunct="1"/>
             <a:r>
-              <a:rPr lang="en-US" altLang="en-US" sz="1100" dirty="0">
+              <a:rPr lang="en-US" altLang="en-US" sz="1238" dirty="0">
                 <a:latin typeface="Arial" panose="020B0604020202020204" pitchFamily="34" charset="0"/>
                 <a:ea typeface="Amazon Ember" panose="020B0603020204020204" pitchFamily="34" charset="0"/>
                 <a:cs typeface="Arial" panose="020B0604020202020204" pitchFamily="34" charset="0"/>
@@ -6412,8 +6026,8 @@
         </p:blipFill>
         <p:spPr bwMode="auto">
           <a:xfrm>
-            <a:off x="3694546" y="2532099"/>
-            <a:ext cx="457200" cy="457200"/>
+            <a:off x="4156364" y="4477386"/>
+            <a:ext cx="514350" cy="514350"/>
           </a:xfrm>
           <a:prstGeom prst="rect">
             <a:avLst/>
@@ -6459,8 +6073,8 @@
         </p:nvSpPr>
         <p:spPr bwMode="auto">
           <a:xfrm>
-            <a:off x="6891610" y="2975207"/>
-            <a:ext cx="1234766" cy="261610"/>
+            <a:off x="7753061" y="4975883"/>
+            <a:ext cx="1389112" cy="282834"/>
           </a:xfrm>
           <a:prstGeom prst="rect">
             <a:avLst/>
@@ -6594,7 +6208,7 @@
           <a:p>
             <a:pPr algn="ctr" eaLnBrk="1" hangingPunct="1"/>
             <a:r>
-              <a:rPr lang="en-US" altLang="en-US" sz="1100" dirty="0">
+              <a:rPr lang="en-US" altLang="en-US" sz="1238" dirty="0">
                 <a:latin typeface="Arial" panose="020B0604020202020204" pitchFamily="34" charset="0"/>
                 <a:ea typeface="Amazon Ember" panose="020B0603020204020204" pitchFamily="34" charset="0"/>
                 <a:cs typeface="Arial" panose="020B0604020202020204" pitchFamily="34" charset="0"/>
@@ -6633,8 +6247,8 @@
         </p:blipFill>
         <p:spPr bwMode="auto">
           <a:xfrm>
-            <a:off x="7287866" y="2516420"/>
-            <a:ext cx="457200" cy="457200"/>
+            <a:off x="8198849" y="4459748"/>
+            <a:ext cx="514350" cy="514350"/>
           </a:xfrm>
           <a:prstGeom prst="rect">
             <a:avLst/>
@@ -6680,8 +6294,8 @@
         </p:nvSpPr>
         <p:spPr bwMode="auto">
           <a:xfrm>
-            <a:off x="4980400" y="832064"/>
-            <a:ext cx="1403350" cy="261610"/>
+            <a:off x="5602950" y="2564847"/>
+            <a:ext cx="1578769" cy="282834"/>
           </a:xfrm>
           <a:prstGeom prst="rect">
             <a:avLst/>
@@ -6815,7 +6429,7 @@
           <a:p>
             <a:pPr algn="ctr" eaLnBrk="1" hangingPunct="1"/>
             <a:r>
-              <a:rPr lang="en-US" altLang="en-US" sz="1100" dirty="0">
+              <a:rPr lang="en-US" altLang="en-US" sz="1238" dirty="0">
                 <a:latin typeface="Arial" panose="020B0604020202020204" pitchFamily="34" charset="0"/>
                 <a:ea typeface="Amazon Ember" panose="020B0603020204020204" pitchFamily="34" charset="0"/>
                 <a:cs typeface="Arial" panose="020B0604020202020204" pitchFamily="34" charset="0"/>
@@ -6854,8 +6468,8 @@
         </p:blipFill>
         <p:spPr bwMode="auto">
           <a:xfrm>
-            <a:off x="5441605" y="374864"/>
-            <a:ext cx="457200" cy="457200"/>
+            <a:off x="6121806" y="2050497"/>
+            <a:ext cx="514350" cy="514350"/>
           </a:xfrm>
           <a:prstGeom prst="rect">
             <a:avLst/>
@@ -6899,8 +6513,8 @@
         </p:nvSpPr>
         <p:spPr>
           <a:xfrm>
-            <a:off x="998330" y="602012"/>
-            <a:ext cx="8176257" cy="5825292"/>
+            <a:off x="1123122" y="2306038"/>
+            <a:ext cx="9198289" cy="6553454"/>
           </a:xfrm>
           <a:prstGeom prst="rect">
             <a:avLst/>
@@ -6929,19 +6543,13 @@
           </a:fontRef>
         </p:style>
         <p:txBody>
-          <a:bodyPr lIns="502920" tIns="91440"/>
+          <a:bodyPr lIns="565785" tIns="102870"/>
           <a:lstStyle/>
           <a:p>
-            <a:pPr eaLnBrk="1" fontAlgn="auto" hangingPunct="1">
-              <a:spcBef>
-                <a:spcPts val="0"/>
-              </a:spcBef>
-              <a:spcAft>
-                <a:spcPts val="0"/>
-              </a:spcAft>
+            <a:pPr>
               <a:defRPr/>
             </a:pPr>
-            <a:endParaRPr lang="en-US" sz="1200" dirty="0">
+            <a:endParaRPr lang="en-US" sz="1350" dirty="0">
               <a:ln w="0"/>
               <a:solidFill>
                 <a:srgbClr val="1E8900"/>
@@ -6980,8 +6588,8 @@
         </p:blipFill>
         <p:spPr>
           <a:xfrm>
-            <a:off x="998330" y="602012"/>
-            <a:ext cx="377425" cy="377425"/>
+            <a:off x="1123122" y="2306039"/>
+            <a:ext cx="424603" cy="424603"/>
           </a:xfrm>
           <a:prstGeom prst="rect">
             <a:avLst/>
@@ -7005,8 +6613,8 @@
         </p:nvCxnSpPr>
         <p:spPr>
           <a:xfrm rot="10800000" flipV="1">
-            <a:off x="3892315" y="4393609"/>
-            <a:ext cx="1409029" cy="950789"/>
+            <a:off x="4378855" y="6571586"/>
+            <a:ext cx="1585158" cy="1069638"/>
           </a:xfrm>
           <a:prstGeom prst="bentConnector2">
             <a:avLst/>
@@ -7050,8 +6658,8 @@
         </p:nvCxnSpPr>
         <p:spPr>
           <a:xfrm>
-            <a:off x="6063343" y="4393610"/>
-            <a:ext cx="1378867" cy="945333"/>
+            <a:off x="6821262" y="6571587"/>
+            <a:ext cx="1551225" cy="1063500"/>
           </a:xfrm>
           <a:prstGeom prst="bentConnector2">
             <a:avLst/>
@@ -7095,8 +6703,8 @@
         </p:nvCxnSpPr>
         <p:spPr>
           <a:xfrm flipH="1">
-            <a:off x="5858142" y="5092317"/>
-            <a:ext cx="721414" cy="638748"/>
+            <a:off x="6590410" y="7357631"/>
+            <a:ext cx="811591" cy="718592"/>
           </a:xfrm>
           <a:prstGeom prst="straightConnector1">
             <a:avLst/>
@@ -7140,8 +6748,8 @@
         </p:nvCxnSpPr>
         <p:spPr>
           <a:xfrm>
-            <a:off x="4771977" y="5141535"/>
-            <a:ext cx="628965" cy="589530"/>
+            <a:off x="5368475" y="7413002"/>
+            <a:ext cx="707586" cy="663221"/>
           </a:xfrm>
           <a:prstGeom prst="straightConnector1">
             <a:avLst/>
@@ -7168,6 +6776,161 @@
           </a:fontRef>
         </p:style>
       </p:cxnSp>
+      <p:sp>
+        <p:nvSpPr>
+          <p:cNvPr id="2" name="Rectangle 1">
+            <a:extLst>
+              <a:ext uri="{FF2B5EF4-FFF2-40B4-BE49-F238E27FC236}">
+                <a16:creationId xmlns:a16="http://schemas.microsoft.com/office/drawing/2014/main" id="{B9BE3424-6937-2F72-AA56-964003401F86}"/>
+              </a:ext>
+            </a:extLst>
+          </p:cNvPr>
+          <p:cNvSpPr/>
+          <p:nvPr/>
+        </p:nvSpPr>
+        <p:spPr>
+          <a:xfrm>
+            <a:off x="407095" y="1484212"/>
+            <a:ext cx="10310523" cy="7651092"/>
+          </a:xfrm>
+          <a:prstGeom prst="rect">
+            <a:avLst/>
+          </a:prstGeom>
+          <a:noFill/>
+          <a:ln w="12700">
+            <a:solidFill>
+              <a:schemeClr val="tx1"/>
+            </a:solidFill>
+          </a:ln>
+        </p:spPr>
+        <p:style>
+          <a:lnRef idx="2">
+            <a:schemeClr val="accent1">
+              <a:shade val="50000"/>
+            </a:schemeClr>
+          </a:lnRef>
+          <a:fillRef idx="1">
+            <a:schemeClr val="accent1"/>
+          </a:fillRef>
+          <a:effectRef idx="0">
+            <a:schemeClr val="accent1"/>
+          </a:effectRef>
+          <a:fontRef idx="minor">
+            <a:schemeClr val="lt1"/>
+          </a:fontRef>
+        </p:style>
+        <p:txBody>
+          <a:bodyPr lIns="502920" tIns="91440"/>
+          <a:lstStyle/>
+          <a:p>
+            <a:pPr eaLnBrk="1" fontAlgn="auto" hangingPunct="1">
+              <a:spcBef>
+                <a:spcPts val="0"/>
+              </a:spcBef>
+              <a:spcAft>
+                <a:spcPts val="0"/>
+              </a:spcAft>
+              <a:defRPr/>
+            </a:pPr>
+            <a:r>
+              <a:rPr lang="en-US" sz="1200" dirty="0">
+                <a:solidFill>
+                  <a:sysClr val="windowText" lastClr="000000"/>
+                </a:solidFill>
+                <a:latin typeface="Arial" panose="020B0604020202020204" pitchFamily="34" charset="0"/>
+                <a:cs typeface="Arial" panose="020B0604020202020204" pitchFamily="34" charset="0"/>
+              </a:rPr>
+              <a:t>AWS Cloud</a:t>
+            </a:r>
+          </a:p>
+        </p:txBody>
+      </p:sp>
+      <p:pic>
+        <p:nvPicPr>
+          <p:cNvPr id="3" name="Graphic 2">
+            <a:extLst>
+              <a:ext uri="{FF2B5EF4-FFF2-40B4-BE49-F238E27FC236}">
+                <a16:creationId xmlns:a16="http://schemas.microsoft.com/office/drawing/2014/main" id="{4B2364B3-D7C7-A5A8-3ADF-6C210CC01235}"/>
+              </a:ext>
+            </a:extLst>
+          </p:cNvPr>
+          <p:cNvPicPr>
+            <a:picLocks noChangeAspect="1"/>
+          </p:cNvPicPr>
+          <p:nvPr/>
+        </p:nvPicPr>
+        <p:blipFill>
+          <a:blip r:embed="rId18">
+            <a:extLst>
+              <a:ext uri="{96DAC541-7B7A-43D3-8B79-37D633B846F1}">
+                <asvg:svgBlip xmlns:asvg="http://schemas.microsoft.com/office/drawing/2016/SVG/main" r:embed="rId19"/>
+              </a:ext>
+            </a:extLst>
+          </a:blip>
+          <a:srcRect/>
+          <a:stretch/>
+        </p:blipFill>
+        <p:spPr>
+          <a:xfrm>
+            <a:off x="407095" y="1484212"/>
+            <a:ext cx="381000" cy="381000"/>
+          </a:xfrm>
+          <a:prstGeom prst="rect">
+            <a:avLst/>
+          </a:prstGeom>
+        </p:spPr>
+      </p:pic>
+      <p:sp>
+        <p:nvSpPr>
+          <p:cNvPr id="5" name="TextBox 4">
+            <a:extLst>
+              <a:ext uri="{FF2B5EF4-FFF2-40B4-BE49-F238E27FC236}">
+                <a16:creationId xmlns:a16="http://schemas.microsoft.com/office/drawing/2014/main" id="{CA148432-8F30-9211-2A1C-810E38EA8DA0}"/>
+              </a:ext>
+            </a:extLst>
+          </p:cNvPr>
+          <p:cNvSpPr txBox="1"/>
+          <p:nvPr/>
+        </p:nvSpPr>
+        <p:spPr>
+          <a:xfrm>
+            <a:off x="1564010" y="2322333"/>
+            <a:ext cx="755930" cy="276999"/>
+          </a:xfrm>
+          <a:prstGeom prst="rect">
+            <a:avLst/>
+          </a:prstGeom>
+          <a:noFill/>
+        </p:spPr>
+        <p:txBody>
+          <a:bodyPr wrap="square">
+            <a:spAutoFit/>
+          </a:bodyPr>
+          <a:lstStyle/>
+          <a:p>
+            <a:pPr eaLnBrk="1" fontAlgn="auto" hangingPunct="1">
+              <a:spcBef>
+                <a:spcPts val="0"/>
+              </a:spcBef>
+              <a:spcAft>
+                <a:spcPts val="0"/>
+              </a:spcAft>
+              <a:defRPr/>
+            </a:pPr>
+            <a:r>
+              <a:rPr lang="en-US" sz="1200" dirty="0">
+                <a:ln w="0"/>
+                <a:solidFill>
+                  <a:srgbClr val="1E8900"/>
+                </a:solidFill>
+                <a:latin typeface="Arial" panose="020B0604020202020204" pitchFamily="34" charset="0"/>
+                <a:cs typeface="Arial" panose="020B0604020202020204" pitchFamily="34" charset="0"/>
+              </a:rPr>
+              <a:t>VPC</a:t>
+            </a:r>
+          </a:p>
+        </p:txBody>
+      </p:sp>
     </p:spTree>
     <p:extLst>
       <p:ext uri="{BB962C8B-B14F-4D97-AF65-F5344CB8AC3E}">
@@ -7184,7 +6947,7 @@
 <file path=ppt/theme/theme1.xml><?xml version="1.0" encoding="utf-8"?>
 <a:theme xmlns:a="http://schemas.openxmlformats.org/drawingml/2006/main" name="Office Theme">
   <a:themeElements>
-    <a:clrScheme name="Office">
+    <a:clrScheme name="Office Theme">
       <a:dk1>
         <a:sysClr val="windowText" lastClr="000000"/>
       </a:dk1>
@@ -7222,7 +6985,7 @@
         <a:srgbClr val="954F72"/>
       </a:folHlink>
     </a:clrScheme>
-    <a:fontScheme name="Office">
+    <a:fontScheme name="Office Theme">
       <a:majorFont>
         <a:latin typeface="Calibri Light" panose="020F0302020204030204"/>
         <a:ea typeface=""/>
@@ -7257,23 +7020,6 @@
         <a:font script="Viet" typeface="Times New Roman"/>
         <a:font script="Uigh" typeface="Microsoft Uighur"/>
         <a:font script="Geor" typeface="Sylfaen"/>
-        <a:font script="Armn" typeface="Arial"/>
-        <a:font script="Bugi" typeface="Leelawadee UI"/>
-        <a:font script="Bopo" typeface="Microsoft JhengHei"/>
-        <a:font script="Java" typeface="Javanese Text"/>
-        <a:font script="Lisu" typeface="Segoe UI"/>
-        <a:font script="Mymr" typeface="Myanmar Text"/>
-        <a:font script="Nkoo" typeface="Ebrima"/>
-        <a:font script="Olck" typeface="Nirmala UI"/>
-        <a:font script="Osma" typeface="Ebrima"/>
-        <a:font script="Phag" typeface="Phagspa"/>
-        <a:font script="Syrn" typeface="Estrangelo Edessa"/>
-        <a:font script="Syrj" typeface="Estrangelo Edessa"/>
-        <a:font script="Syre" typeface="Estrangelo Edessa"/>
-        <a:font script="Sora" typeface="Nirmala UI"/>
-        <a:font script="Tale" typeface="Microsoft Tai Le"/>
-        <a:font script="Talu" typeface="Microsoft New Tai Lue"/>
-        <a:font script="Tfng" typeface="Ebrima"/>
       </a:majorFont>
       <a:minorFont>
         <a:latin typeface="Calibri" panose="020F0502020204030204"/>
@@ -7309,26 +7055,9 @@
         <a:font script="Viet" typeface="Arial"/>
         <a:font script="Uigh" typeface="Microsoft Uighur"/>
         <a:font script="Geor" typeface="Sylfaen"/>
-        <a:font script="Armn" typeface="Arial"/>
-        <a:font script="Bugi" typeface="Leelawadee UI"/>
-        <a:font script="Bopo" typeface="Microsoft JhengHei"/>
-        <a:font script="Java" typeface="Javanese Text"/>
-        <a:font script="Lisu" typeface="Segoe UI"/>
-        <a:font script="Mymr" typeface="Myanmar Text"/>
-        <a:font script="Nkoo" typeface="Ebrima"/>
-        <a:font script="Olck" typeface="Nirmala UI"/>
-        <a:font script="Osma" typeface="Ebrima"/>
-        <a:font script="Phag" typeface="Phagspa"/>
-        <a:font script="Syrn" typeface="Estrangelo Edessa"/>
-        <a:font script="Syrj" typeface="Estrangelo Edessa"/>
-        <a:font script="Syre" typeface="Estrangelo Edessa"/>
-        <a:font script="Sora" typeface="Nirmala UI"/>
-        <a:font script="Tale" typeface="Microsoft Tai Le"/>
-        <a:font script="Talu" typeface="Microsoft New Tai Lue"/>
-        <a:font script="Tfng" typeface="Ebrima"/>
       </a:minorFont>
     </a:fontScheme>
-    <a:fmtScheme name="Office">
+    <a:fmtScheme name="Office Theme">
       <a:fillStyleLst>
         <a:solidFill>
           <a:schemeClr val="phClr"/>
@@ -7470,7 +7199,7 @@
   <a:extraClrSchemeLst/>
   <a:extLst>
     <a:ext uri="{05A4C25C-085E-4340-85A3-A5531E510DB2}">
-      <thm15:themeFamily xmlns:thm15="http://schemas.microsoft.com/office/thememl/2012/main" name="Office Theme" id="{62F939B6-93AF-4DB8-9C6B-D6C7DFDC589F}" vid="{4A3C46E8-61CC-4603-A589-7422A47A8E4A}"/>
+      <thm15:themeFamily xmlns:thm15="http://schemas.microsoft.com/office/thememl/2012/main" name="Office Theme 2013 - 2022" id="{62F939B6-93AF-4DB8-9C6B-D6C7DFDC589F}" vid="{4A3C46E8-61CC-4603-A589-7422A47A8E4A}"/>
     </a:ext>
   </a:extLst>
 </a:theme>

--- a/docs/deployment_guide/images/architecture.pptx
+++ b/docs/deployment_guide/images/architecture.pptx
@@ -243,7 +243,7 @@
           <a:p>
             <a:fld id="{A1FEBA9D-EA6E-4D2B-8CDF-4B30E5DE822E}" type="datetimeFigureOut">
               <a:rPr lang="en-US" smtClean="0"/>
-              <a:t>4/6/23</a:t>
+              <a:t>5/10/23</a:t>
             </a:fld>
             <a:endParaRPr lang="en-US"/>
           </a:p>
@@ -413,7 +413,7 @@
           <a:p>
             <a:fld id="{A1FEBA9D-EA6E-4D2B-8CDF-4B30E5DE822E}" type="datetimeFigureOut">
               <a:rPr lang="en-US" smtClean="0"/>
-              <a:t>4/6/23</a:t>
+              <a:t>5/10/23</a:t>
             </a:fld>
             <a:endParaRPr lang="en-US"/>
           </a:p>
@@ -593,7 +593,7 @@
           <a:p>
             <a:fld id="{A1FEBA9D-EA6E-4D2B-8CDF-4B30E5DE822E}" type="datetimeFigureOut">
               <a:rPr lang="en-US" smtClean="0"/>
-              <a:t>4/6/23</a:t>
+              <a:t>5/10/23</a:t>
             </a:fld>
             <a:endParaRPr lang="en-US"/>
           </a:p>
@@ -763,7 +763,7 @@
           <a:p>
             <a:fld id="{A1FEBA9D-EA6E-4D2B-8CDF-4B30E5DE822E}" type="datetimeFigureOut">
               <a:rPr lang="en-US" smtClean="0"/>
-              <a:t>4/6/23</a:t>
+              <a:t>5/10/23</a:t>
             </a:fld>
             <a:endParaRPr lang="en-US"/>
           </a:p>
@@ -1007,7 +1007,7 @@
           <a:p>
             <a:fld id="{A1FEBA9D-EA6E-4D2B-8CDF-4B30E5DE822E}" type="datetimeFigureOut">
               <a:rPr lang="en-US" smtClean="0"/>
-              <a:t>4/6/23</a:t>
+              <a:t>5/10/23</a:t>
             </a:fld>
             <a:endParaRPr lang="en-US"/>
           </a:p>
@@ -1239,7 +1239,7 @@
           <a:p>
             <a:fld id="{A1FEBA9D-EA6E-4D2B-8CDF-4B30E5DE822E}" type="datetimeFigureOut">
               <a:rPr lang="en-US" smtClean="0"/>
-              <a:t>4/6/23</a:t>
+              <a:t>5/10/23</a:t>
             </a:fld>
             <a:endParaRPr lang="en-US"/>
           </a:p>
@@ -1606,7 +1606,7 @@
           <a:p>
             <a:fld id="{A1FEBA9D-EA6E-4D2B-8CDF-4B30E5DE822E}" type="datetimeFigureOut">
               <a:rPr lang="en-US" smtClean="0"/>
-              <a:t>4/6/23</a:t>
+              <a:t>5/10/23</a:t>
             </a:fld>
             <a:endParaRPr lang="en-US"/>
           </a:p>
@@ -1724,7 +1724,7 @@
           <a:p>
             <a:fld id="{A1FEBA9D-EA6E-4D2B-8CDF-4B30E5DE822E}" type="datetimeFigureOut">
               <a:rPr lang="en-US" smtClean="0"/>
-              <a:t>4/6/23</a:t>
+              <a:t>5/10/23</a:t>
             </a:fld>
             <a:endParaRPr lang="en-US"/>
           </a:p>
@@ -1819,7 +1819,7 @@
           <a:p>
             <a:fld id="{A1FEBA9D-EA6E-4D2B-8CDF-4B30E5DE822E}" type="datetimeFigureOut">
               <a:rPr lang="en-US" smtClean="0"/>
-              <a:t>4/6/23</a:t>
+              <a:t>5/10/23</a:t>
             </a:fld>
             <a:endParaRPr lang="en-US"/>
           </a:p>
@@ -2096,7 +2096,7 @@
           <a:p>
             <a:fld id="{A1FEBA9D-EA6E-4D2B-8CDF-4B30E5DE822E}" type="datetimeFigureOut">
               <a:rPr lang="en-US" smtClean="0"/>
-              <a:t>4/6/23</a:t>
+              <a:t>5/10/23</a:t>
             </a:fld>
             <a:endParaRPr lang="en-US"/>
           </a:p>
@@ -2353,7 +2353,7 @@
           <a:p>
             <a:fld id="{A1FEBA9D-EA6E-4D2B-8CDF-4B30E5DE822E}" type="datetimeFigureOut">
               <a:rPr lang="en-US" smtClean="0"/>
-              <a:t>4/6/23</a:t>
+              <a:t>5/10/23</a:t>
             </a:fld>
             <a:endParaRPr lang="en-US"/>
           </a:p>
@@ -2566,7 +2566,7 @@
           <a:p>
             <a:fld id="{A1FEBA9D-EA6E-4D2B-8CDF-4B30E5DE822E}" type="datetimeFigureOut">
               <a:rPr lang="en-US" smtClean="0"/>
-              <a:t>4/6/23</a:t>
+              <a:t>5/10/23</a:t>
             </a:fld>
             <a:endParaRPr lang="en-US"/>
           </a:p>
@@ -3000,7 +3000,7 @@
         </p:blipFill>
         <p:spPr bwMode="auto">
           <a:xfrm>
-            <a:off x="1624002" y="3057886"/>
+            <a:off x="1769563" y="3623565"/>
             <a:ext cx="853821" cy="853821"/>
           </a:xfrm>
           <a:prstGeom prst="rect">
@@ -3047,7 +3047,7 @@
         </p:nvSpPr>
         <p:spPr bwMode="auto">
           <a:xfrm>
-            <a:off x="1297182" y="3865422"/>
+            <a:off x="1442743" y="4431101"/>
             <a:ext cx="1497410" cy="507831"/>
           </a:xfrm>
           <a:prstGeom prst="rect">
@@ -3248,7 +3248,7 @@
         </p:blipFill>
         <p:spPr bwMode="auto">
           <a:xfrm>
-            <a:off x="1624002" y="4493915"/>
+            <a:off x="1769563" y="5059594"/>
             <a:ext cx="853821" cy="853821"/>
           </a:xfrm>
           <a:prstGeom prst="rect">
@@ -3295,7 +3295,7 @@
         </p:nvSpPr>
         <p:spPr bwMode="auto">
           <a:xfrm>
-            <a:off x="1297181" y="5336997"/>
+            <a:off x="1442742" y="5902676"/>
             <a:ext cx="1505606" cy="507831"/>
           </a:xfrm>
           <a:prstGeom prst="rect">
@@ -3469,7 +3469,7 @@
         </p:blipFill>
         <p:spPr bwMode="auto">
           <a:xfrm>
-            <a:off x="1624002" y="5935987"/>
+            <a:off x="1769563" y="6501666"/>
             <a:ext cx="853821" cy="853821"/>
           </a:xfrm>
           <a:prstGeom prst="rect">
@@ -3516,7 +3516,7 @@
         </p:nvSpPr>
         <p:spPr bwMode="auto">
           <a:xfrm>
-            <a:off x="1300885" y="6789808"/>
+            <a:off x="1446446" y="7355487"/>
             <a:ext cx="1501902" cy="300082"/>
           </a:xfrm>
           <a:prstGeom prst="rect">
@@ -3656,227 +3656,6 @@
                 <a:cs typeface="Arial" panose="020B0604020202020204" pitchFamily="34" charset="0"/>
               </a:rPr>
               <a:t>AWS Lambda</a:t>
-            </a:r>
-          </a:p>
-        </p:txBody>
-      </p:sp>
-      <p:pic>
-        <p:nvPicPr>
-          <p:cNvPr id="12" name="Graphic 17">
-            <a:extLst>
-              <a:ext uri="{FF2B5EF4-FFF2-40B4-BE49-F238E27FC236}">
-                <a16:creationId xmlns:a16="http://schemas.microsoft.com/office/drawing/2014/main" id="{9CBBE049-89D9-4901-BD0A-4E1B41A38C1C}"/>
-              </a:ext>
-            </a:extLst>
-          </p:cNvPr>
-          <p:cNvPicPr>
-            <a:picLocks noChangeAspect="1" noChangeArrowheads="1"/>
-          </p:cNvPicPr>
-          <p:nvPr/>
-        </p:nvPicPr>
-        <p:blipFill>
-          <a:blip r:embed="rId5">
-            <a:extLst>
-              <a:ext uri="{28A0092B-C50C-407E-A947-70E740481C1C}">
-                <a14:useLocalDpi xmlns:a14="http://schemas.microsoft.com/office/drawing/2010/main" val="0"/>
-              </a:ext>
-            </a:extLst>
-          </a:blip>
-          <a:srcRect/>
-          <a:stretch>
-            <a:fillRect/>
-          </a:stretch>
-        </p:blipFill>
-        <p:spPr bwMode="auto">
-          <a:xfrm>
-            <a:off x="1618975" y="7181049"/>
-            <a:ext cx="853821" cy="853821"/>
-          </a:xfrm>
-          <a:prstGeom prst="rect">
-            <a:avLst/>
-          </a:prstGeom>
-          <a:noFill/>
-          <a:ln>
-            <a:noFill/>
-          </a:ln>
-          <a:extLst>
-            <a:ext uri="{909E8E84-426E-40DD-AFC4-6F175D3DCCD1}">
-              <a14:hiddenFill xmlns:a14="http://schemas.microsoft.com/office/drawing/2010/main">
-                <a:solidFill>
-                  <a:srgbClr val="FFFFFF"/>
-                </a:solidFill>
-              </a14:hiddenFill>
-            </a:ext>
-            <a:ext uri="{91240B29-F687-4F45-9708-019B960494DF}">
-              <a14:hiddenLine xmlns:a14="http://schemas.microsoft.com/office/drawing/2010/main" w="9525">
-                <a:solidFill>
-                  <a:srgbClr val="000000"/>
-                </a:solidFill>
-                <a:miter lim="800000"/>
-                <a:headEnd/>
-                <a:tailEnd/>
-              </a14:hiddenLine>
-            </a:ext>
-          </a:extLst>
-        </p:spPr>
-      </p:pic>
-      <p:sp>
-        <p:nvSpPr>
-          <p:cNvPr id="13" name="TextBox 11">
-            <a:extLst>
-              <a:ext uri="{FF2B5EF4-FFF2-40B4-BE49-F238E27FC236}">
-                <a16:creationId xmlns:a16="http://schemas.microsoft.com/office/drawing/2014/main" id="{6CEBE909-1A20-49B9-A8F5-98C5539E9BC9}"/>
-              </a:ext>
-            </a:extLst>
-          </p:cNvPr>
-          <p:cNvSpPr txBox="1">
-            <a:spLocks noChangeArrowheads="1"/>
-          </p:cNvSpPr>
-          <p:nvPr/>
-        </p:nvSpPr>
-        <p:spPr bwMode="auto">
-          <a:xfrm>
-            <a:off x="1300885" y="8034871"/>
-            <a:ext cx="1501902" cy="507831"/>
-          </a:xfrm>
-          <a:prstGeom prst="rect">
-            <a:avLst/>
-          </a:prstGeom>
-          <a:noFill/>
-          <a:ln>
-            <a:noFill/>
-          </a:ln>
-          <a:extLst>
-            <a:ext uri="{909E8E84-426E-40DD-AFC4-6F175D3DCCD1}">
-              <a14:hiddenFill xmlns:a14="http://schemas.microsoft.com/office/drawing/2010/main">
-                <a:solidFill>
-                  <a:srgbClr val="FFFFFF"/>
-                </a:solidFill>
-              </a14:hiddenFill>
-            </a:ext>
-            <a:ext uri="{91240B29-F687-4F45-9708-019B960494DF}">
-              <a14:hiddenLine xmlns:a14="http://schemas.microsoft.com/office/drawing/2010/main" w="9525">
-                <a:solidFill>
-                  <a:srgbClr val="000000"/>
-                </a:solidFill>
-                <a:miter lim="800000"/>
-                <a:headEnd/>
-                <a:tailEnd/>
-              </a14:hiddenLine>
-            </a:ext>
-          </a:extLst>
-        </p:spPr>
-        <p:txBody>
-          <a:bodyPr>
-            <a:spAutoFit/>
-          </a:bodyPr>
-          <a:lstStyle>
-            <a:lvl1pPr>
-              <a:defRPr>
-                <a:solidFill>
-                  <a:schemeClr val="tx1"/>
-                </a:solidFill>
-                <a:latin typeface="Calibri" panose="020F0502020204030204" pitchFamily="34" charset="0"/>
-              </a:defRPr>
-            </a:lvl1pPr>
-            <a:lvl2pPr marL="742950" indent="-285750">
-              <a:defRPr>
-                <a:solidFill>
-                  <a:schemeClr val="tx1"/>
-                </a:solidFill>
-                <a:latin typeface="Calibri" panose="020F0502020204030204" pitchFamily="34" charset="0"/>
-              </a:defRPr>
-            </a:lvl2pPr>
-            <a:lvl3pPr marL="1143000" indent="-228600">
-              <a:defRPr>
-                <a:solidFill>
-                  <a:schemeClr val="tx1"/>
-                </a:solidFill>
-                <a:latin typeface="Calibri" panose="020F0502020204030204" pitchFamily="34" charset="0"/>
-              </a:defRPr>
-            </a:lvl3pPr>
-            <a:lvl4pPr marL="1600200" indent="-228600">
-              <a:defRPr>
-                <a:solidFill>
-                  <a:schemeClr val="tx1"/>
-                </a:solidFill>
-                <a:latin typeface="Calibri" panose="020F0502020204030204" pitchFamily="34" charset="0"/>
-              </a:defRPr>
-            </a:lvl4pPr>
-            <a:lvl5pPr marL="2057400" indent="-228600">
-              <a:defRPr>
-                <a:solidFill>
-                  <a:schemeClr val="tx1"/>
-                </a:solidFill>
-                <a:latin typeface="Calibri" panose="020F0502020204030204" pitchFamily="34" charset="0"/>
-              </a:defRPr>
-            </a:lvl5pPr>
-            <a:lvl6pPr marL="2514600" indent="-228600" eaLnBrk="0" fontAlgn="base" hangingPunct="0">
-              <a:spcBef>
-                <a:spcPct val="0"/>
-              </a:spcBef>
-              <a:spcAft>
-                <a:spcPct val="0"/>
-              </a:spcAft>
-              <a:defRPr>
-                <a:solidFill>
-                  <a:schemeClr val="tx1"/>
-                </a:solidFill>
-                <a:latin typeface="Calibri" panose="020F0502020204030204" pitchFamily="34" charset="0"/>
-              </a:defRPr>
-            </a:lvl6pPr>
-            <a:lvl7pPr marL="2971800" indent="-228600" eaLnBrk="0" fontAlgn="base" hangingPunct="0">
-              <a:spcBef>
-                <a:spcPct val="0"/>
-              </a:spcBef>
-              <a:spcAft>
-                <a:spcPct val="0"/>
-              </a:spcAft>
-              <a:defRPr>
-                <a:solidFill>
-                  <a:schemeClr val="tx1"/>
-                </a:solidFill>
-                <a:latin typeface="Calibri" panose="020F0502020204030204" pitchFamily="34" charset="0"/>
-              </a:defRPr>
-            </a:lvl7pPr>
-            <a:lvl8pPr marL="3429000" indent="-228600" eaLnBrk="0" fontAlgn="base" hangingPunct="0">
-              <a:spcBef>
-                <a:spcPct val="0"/>
-              </a:spcBef>
-              <a:spcAft>
-                <a:spcPct val="0"/>
-              </a:spcAft>
-              <a:defRPr>
-                <a:solidFill>
-                  <a:schemeClr val="tx1"/>
-                </a:solidFill>
-                <a:latin typeface="Calibri" panose="020F0502020204030204" pitchFamily="34" charset="0"/>
-              </a:defRPr>
-            </a:lvl8pPr>
-            <a:lvl9pPr marL="3886200" indent="-228600" eaLnBrk="0" fontAlgn="base" hangingPunct="0">
-              <a:spcBef>
-                <a:spcPct val="0"/>
-              </a:spcBef>
-              <a:spcAft>
-                <a:spcPct val="0"/>
-              </a:spcAft>
-              <a:defRPr>
-                <a:solidFill>
-                  <a:schemeClr val="tx1"/>
-                </a:solidFill>
-                <a:latin typeface="Calibri" panose="020F0502020204030204" pitchFamily="34" charset="0"/>
-              </a:defRPr>
-            </a:lvl9pPr>
-          </a:lstStyle>
-          <a:p>
-            <a:pPr algn="ctr" eaLnBrk="1" hangingPunct="1"/>
-            <a:r>
-              <a:rPr lang="en-US" altLang="en-US" sz="1350" dirty="0">
-                <a:latin typeface="Arial" panose="020B0604020202020204" pitchFamily="34" charset="0"/>
-                <a:ea typeface="Amazon Ember" panose="020B0603020204020204" pitchFamily="34" charset="0"/>
-                <a:cs typeface="Arial" panose="020B0604020202020204" pitchFamily="34" charset="0"/>
-              </a:rPr>
-              <a:t>AWS Secrets Manager</a:t>
             </a:r>
           </a:p>
         </p:txBody>
@@ -3962,10 +3741,10 @@
           <p:nvPr/>
         </p:nvPicPr>
         <p:blipFill>
-          <a:blip r:embed="rId6">
+          <a:blip r:embed="rId5">
             <a:extLst>
               <a:ext uri="{96DAC541-7B7A-43D3-8B79-37D633B846F1}">
-                <asvg:svgBlip xmlns:asvg="http://schemas.microsoft.com/office/drawing/2016/SVG/main" r:embed="rId7"/>
+                <asvg:svgBlip xmlns:asvg="http://schemas.microsoft.com/office/drawing/2016/SVG/main" r:embed="rId6"/>
               </a:ext>
             </a:extLst>
           </a:blip>
@@ -4064,10 +3843,10 @@
           <p:nvPr/>
         </p:nvPicPr>
         <p:blipFill>
-          <a:blip r:embed="rId6">
+          <a:blip r:embed="rId5">
             <a:extLst>
               <a:ext uri="{96DAC541-7B7A-43D3-8B79-37D633B846F1}">
-                <asvg:svgBlip xmlns:asvg="http://schemas.microsoft.com/office/drawing/2016/SVG/main" r:embed="rId7"/>
+                <asvg:svgBlip xmlns:asvg="http://schemas.microsoft.com/office/drawing/2016/SVG/main" r:embed="rId6"/>
               </a:ext>
             </a:extLst>
           </a:blip>
@@ -4166,10 +3945,10 @@
           <p:nvPr/>
         </p:nvPicPr>
         <p:blipFill>
-          <a:blip r:embed="rId8">
+          <a:blip r:embed="rId7">
             <a:extLst>
               <a:ext uri="{96DAC541-7B7A-43D3-8B79-37D633B846F1}">
-                <asvg:svgBlip xmlns:asvg="http://schemas.microsoft.com/office/drawing/2016/SVG/main" r:embed="rId9"/>
+                <asvg:svgBlip xmlns:asvg="http://schemas.microsoft.com/office/drawing/2016/SVG/main" r:embed="rId8"/>
               </a:ext>
             </a:extLst>
           </a:blip>
@@ -4268,10 +4047,10 @@
           <p:nvPr/>
         </p:nvPicPr>
         <p:blipFill>
-          <a:blip r:embed="rId8">
+          <a:blip r:embed="rId7">
             <a:extLst>
               <a:ext uri="{96DAC541-7B7A-43D3-8B79-37D633B846F1}">
-                <asvg:svgBlip xmlns:asvg="http://schemas.microsoft.com/office/drawing/2016/SVG/main" r:embed="rId9"/>
+                <asvg:svgBlip xmlns:asvg="http://schemas.microsoft.com/office/drawing/2016/SVG/main" r:embed="rId8"/>
               </a:ext>
             </a:extLst>
           </a:blip>
@@ -4616,7 +4395,7 @@
           <p:nvPr/>
         </p:nvPicPr>
         <p:blipFill>
-          <a:blip r:embed="rId10">
+          <a:blip r:embed="rId9">
             <a:extLst>
               <a:ext uri="{28A0092B-C50C-407E-A947-70E740481C1C}">
                 <a14:useLocalDpi xmlns:a14="http://schemas.microsoft.com/office/drawing/2010/main" val="0"/>
@@ -4852,7 +4631,7 @@
           <p:nvPr/>
         </p:nvPicPr>
         <p:blipFill>
-          <a:blip r:embed="rId10">
+          <a:blip r:embed="rId9">
             <a:extLst>
               <a:ext uri="{28A0092B-C50C-407E-A947-70E740481C1C}">
                 <a14:useLocalDpi xmlns:a14="http://schemas.microsoft.com/office/drawing/2010/main" val="0"/>
@@ -4912,7 +4691,7 @@
           <p:nvPr/>
         </p:nvPicPr>
         <p:blipFill>
-          <a:blip r:embed="rId11">
+          <a:blip r:embed="rId10">
             <a:extLst>
               <a:ext uri="{28A0092B-C50C-407E-A947-70E740481C1C}">
                 <a14:useLocalDpi xmlns:a14="http://schemas.microsoft.com/office/drawing/2010/main" val="0"/>
@@ -5327,7 +5106,7 @@
           <p:nvPr/>
         </p:nvPicPr>
         <p:blipFill>
-          <a:blip r:embed="rId12">
+          <a:blip r:embed="rId11">
             <a:extLst>
               <a:ext uri="{28A0092B-C50C-407E-A947-70E740481C1C}">
                 <a14:useLocalDpi xmlns:a14="http://schemas.microsoft.com/office/drawing/2010/main" val="0"/>
@@ -5387,7 +5166,7 @@
           <p:nvPr/>
         </p:nvPicPr>
         <p:blipFill>
-          <a:blip r:embed="rId13">
+          <a:blip r:embed="rId12">
             <a:extLst>
               <a:ext uri="{28A0092B-C50C-407E-A947-70E740481C1C}">
                 <a14:useLocalDpi xmlns:a14="http://schemas.microsoft.com/office/drawing/2010/main" val="0"/>
@@ -5619,7 +5398,7 @@
           <p:nvPr/>
         </p:nvPicPr>
         <p:blipFill>
-          <a:blip r:embed="rId13">
+          <a:blip r:embed="rId12">
             <a:extLst>
               <a:ext uri="{28A0092B-C50C-407E-A947-70E740481C1C}">
                 <a14:useLocalDpi xmlns:a14="http://schemas.microsoft.com/office/drawing/2010/main" val="0"/>
@@ -6012,7 +5791,7 @@
           <p:nvPr/>
         </p:nvPicPr>
         <p:blipFill>
-          <a:blip r:embed="rId14">
+          <a:blip r:embed="rId13">
             <a:extLst>
               <a:ext uri="{28A0092B-C50C-407E-A947-70E740481C1C}">
                 <a14:useLocalDpi xmlns:a14="http://schemas.microsoft.com/office/drawing/2010/main" val="0"/>
@@ -6233,7 +6012,7 @@
           <p:nvPr/>
         </p:nvPicPr>
         <p:blipFill>
-          <a:blip r:embed="rId14">
+          <a:blip r:embed="rId13">
             <a:extLst>
               <a:ext uri="{28A0092B-C50C-407E-A947-70E740481C1C}">
                 <a14:useLocalDpi xmlns:a14="http://schemas.microsoft.com/office/drawing/2010/main" val="0"/>
@@ -6454,7 +6233,7 @@
           <p:nvPr/>
         </p:nvPicPr>
         <p:blipFill>
-          <a:blip r:embed="rId15">
+          <a:blip r:embed="rId14">
             <a:extLst>
               <a:ext uri="{28A0092B-C50C-407E-A947-70E740481C1C}">
                 <a14:useLocalDpi xmlns:a14="http://schemas.microsoft.com/office/drawing/2010/main" val="0"/>
@@ -6575,10 +6354,10 @@
           <p:nvPr/>
         </p:nvPicPr>
         <p:blipFill>
-          <a:blip r:embed="rId16">
+          <a:blip r:embed="rId15">
             <a:extLst>
               <a:ext uri="{96DAC541-7B7A-43D3-8B79-37D633B846F1}">
-                <asvg:svgBlip xmlns:asvg="http://schemas.microsoft.com/office/drawing/2016/SVG/main" r:embed="rId17"/>
+                <asvg:svgBlip xmlns:asvg="http://schemas.microsoft.com/office/drawing/2016/SVG/main" r:embed="rId16"/>
               </a:ext>
             </a:extLst>
           </a:blip>
@@ -6860,10 +6639,10 @@
           <p:nvPr/>
         </p:nvPicPr>
         <p:blipFill>
-          <a:blip r:embed="rId18">
+          <a:blip r:embed="rId17">
             <a:extLst>
               <a:ext uri="{96DAC541-7B7A-43D3-8B79-37D633B846F1}">
-                <asvg:svgBlip xmlns:asvg="http://schemas.microsoft.com/office/drawing/2016/SVG/main" r:embed="rId19"/>
+                <asvg:svgBlip xmlns:asvg="http://schemas.microsoft.com/office/drawing/2016/SVG/main" r:embed="rId18"/>
               </a:ext>
             </a:extLst>
           </a:blip>
